--- a/presentations/Robot-Badge-Checklist.pptx
+++ b/presentations/Robot-Badge-Checklist.pptx
@@ -104,6 +104,11 @@
       </a:defRPr>
     </a:lvl9pPr>
   </p:defaultTextStyle>
+  <p:extLst>
+    <p:ext uri="{EFAFB233-063F-42B5-8137-9DF3F51BA10A}">
+      <p15:sldGuideLst xmlns:p15="http://schemas.microsoft.com/office/powerpoint/2012/main"/>
+    </p:ext>
+  </p:extLst>
 </p:presentation>
 </file>
 
@@ -238,7 +243,7 @@
           <a:p>
             <a:fld id="{3FC69F54-8A06-2849-B102-FE868B53134D}" type="datetimeFigureOut">
               <a:rPr lang="en-US" smtClean="0"/>
-              <a:t>12/14/22</a:t>
+              <a:t>12/16/22</a:t>
             </a:fld>
             <a:endParaRPr lang="en-US"/>
           </a:p>
@@ -408,7 +413,7 @@
           <a:p>
             <a:fld id="{3FC69F54-8A06-2849-B102-FE868B53134D}" type="datetimeFigureOut">
               <a:rPr lang="en-US" smtClean="0"/>
-              <a:t>12/14/22</a:t>
+              <a:t>12/16/22</a:t>
             </a:fld>
             <a:endParaRPr lang="en-US"/>
           </a:p>
@@ -588,7 +593,7 @@
           <a:p>
             <a:fld id="{3FC69F54-8A06-2849-B102-FE868B53134D}" type="datetimeFigureOut">
               <a:rPr lang="en-US" smtClean="0"/>
-              <a:t>12/14/22</a:t>
+              <a:t>12/16/22</a:t>
             </a:fld>
             <a:endParaRPr lang="en-US"/>
           </a:p>
@@ -758,7 +763,7 @@
           <a:p>
             <a:fld id="{3FC69F54-8A06-2849-B102-FE868B53134D}" type="datetimeFigureOut">
               <a:rPr lang="en-US" smtClean="0"/>
-              <a:t>12/14/22</a:t>
+              <a:t>12/16/22</a:t>
             </a:fld>
             <a:endParaRPr lang="en-US"/>
           </a:p>
@@ -1002,7 +1007,7 @@
           <a:p>
             <a:fld id="{3FC69F54-8A06-2849-B102-FE868B53134D}" type="datetimeFigureOut">
               <a:rPr lang="en-US" smtClean="0"/>
-              <a:t>12/14/22</a:t>
+              <a:t>12/16/22</a:t>
             </a:fld>
             <a:endParaRPr lang="en-US"/>
           </a:p>
@@ -1234,7 +1239,7 @@
           <a:p>
             <a:fld id="{3FC69F54-8A06-2849-B102-FE868B53134D}" type="datetimeFigureOut">
               <a:rPr lang="en-US" smtClean="0"/>
-              <a:t>12/14/22</a:t>
+              <a:t>12/16/22</a:t>
             </a:fld>
             <a:endParaRPr lang="en-US"/>
           </a:p>
@@ -1601,7 +1606,7 @@
           <a:p>
             <a:fld id="{3FC69F54-8A06-2849-B102-FE868B53134D}" type="datetimeFigureOut">
               <a:rPr lang="en-US" smtClean="0"/>
-              <a:t>12/14/22</a:t>
+              <a:t>12/16/22</a:t>
             </a:fld>
             <a:endParaRPr lang="en-US"/>
           </a:p>
@@ -1719,7 +1724,7 @@
           <a:p>
             <a:fld id="{3FC69F54-8A06-2849-B102-FE868B53134D}" type="datetimeFigureOut">
               <a:rPr lang="en-US" smtClean="0"/>
-              <a:t>12/14/22</a:t>
+              <a:t>12/16/22</a:t>
             </a:fld>
             <a:endParaRPr lang="en-US"/>
           </a:p>
@@ -1814,7 +1819,7 @@
           <a:p>
             <a:fld id="{3FC69F54-8A06-2849-B102-FE868B53134D}" type="datetimeFigureOut">
               <a:rPr lang="en-US" smtClean="0"/>
-              <a:t>12/14/22</a:t>
+              <a:t>12/16/22</a:t>
             </a:fld>
             <a:endParaRPr lang="en-US"/>
           </a:p>
@@ -2091,7 +2096,7 @@
           <a:p>
             <a:fld id="{3FC69F54-8A06-2849-B102-FE868B53134D}" type="datetimeFigureOut">
               <a:rPr lang="en-US" smtClean="0"/>
-              <a:t>12/14/22</a:t>
+              <a:t>12/16/22</a:t>
             </a:fld>
             <a:endParaRPr lang="en-US"/>
           </a:p>
@@ -2348,7 +2353,7 @@
           <a:p>
             <a:fld id="{3FC69F54-8A06-2849-B102-FE868B53134D}" type="datetimeFigureOut">
               <a:rPr lang="en-US" smtClean="0"/>
-              <a:t>12/14/22</a:t>
+              <a:t>12/16/22</a:t>
             </a:fld>
             <a:endParaRPr lang="en-US"/>
           </a:p>
@@ -2561,7 +2566,7 @@
           <a:p>
             <a:fld id="{3FC69F54-8A06-2849-B102-FE868B53134D}" type="datetimeFigureOut">
               <a:rPr lang="en-US" smtClean="0"/>
-              <a:t>12/14/22</a:t>
+              <a:t>12/16/22</a:t>
             </a:fld>
             <a:endParaRPr lang="en-US"/>
           </a:p>
@@ -3097,7 +3102,7 @@
             <a:noFill/>
             <a:ln w="28575">
               <a:solidFill>
-                <a:schemeClr val="tx1"/>
+                <a:srgbClr val="C00000"/>
               </a:solidFill>
             </a:ln>
           </p:spPr>
@@ -3149,7 +3154,7 @@
             <a:noFill/>
             <a:ln w="28575">
               <a:solidFill>
-                <a:schemeClr val="tx1"/>
+                <a:schemeClr val="accent4"/>
               </a:solidFill>
             </a:ln>
           </p:spPr>
@@ -3201,7 +3206,7 @@
             <a:noFill/>
             <a:ln w="28575">
               <a:solidFill>
-                <a:schemeClr val="tx1"/>
+                <a:schemeClr val="accent2"/>
               </a:solidFill>
             </a:ln>
           </p:spPr>
@@ -3253,7 +3258,9 @@
             <a:noFill/>
             <a:ln w="28575">
               <a:solidFill>
-                <a:schemeClr val="tx1"/>
+                <a:schemeClr val="accent6">
+                  <a:lumMod val="75000"/>
+                </a:schemeClr>
               </a:solidFill>
             </a:ln>
           </p:spPr>
@@ -3305,7 +3312,7 @@
             <a:noFill/>
             <a:ln w="28575">
               <a:solidFill>
-                <a:schemeClr val="tx1"/>
+                <a:srgbClr val="0070C0"/>
               </a:solidFill>
             </a:ln>
           </p:spPr>
@@ -3357,7 +3364,7 @@
             <a:noFill/>
             <a:ln w="28575">
               <a:solidFill>
-                <a:schemeClr val="tx1"/>
+                <a:srgbClr val="FF40FF"/>
               </a:solidFill>
             </a:ln>
           </p:spPr>
@@ -3409,7 +3416,7 @@
             <a:noFill/>
             <a:ln w="28575">
               <a:solidFill>
-                <a:schemeClr val="tx1"/>
+                <a:srgbClr val="7030A0"/>
               </a:solidFill>
             </a:ln>
           </p:spPr>
@@ -3461,7 +3468,7 @@
             <a:noFill/>
             <a:ln w="28575">
               <a:solidFill>
-                <a:schemeClr val="tx1"/>
+                <a:srgbClr val="945200"/>
               </a:solidFill>
             </a:ln>
           </p:spPr>
@@ -3806,12 +3813,957 @@
           </a:p>
         </p:txBody>
       </p:sp>
+      <p:sp>
+        <p:nvSpPr>
+          <p:cNvPr id="37" name="TextBox 36">
+            <a:extLst>
+              <a:ext uri="{FF2B5EF4-FFF2-40B4-BE49-F238E27FC236}">
+                <a16:creationId xmlns:a16="http://schemas.microsoft.com/office/drawing/2014/main" id="{3084B1C3-7E5D-1021-E309-384FCC399DF4}"/>
+              </a:ext>
+            </a:extLst>
+          </p:cNvPr>
+          <p:cNvSpPr txBox="1"/>
+          <p:nvPr/>
+        </p:nvSpPr>
+        <p:spPr>
+          <a:xfrm>
+            <a:off x="4608147" y="231879"/>
+            <a:ext cx="2865120" cy="400110"/>
+          </a:xfrm>
+          <a:prstGeom prst="rect">
+            <a:avLst/>
+          </a:prstGeom>
+          <a:noFill/>
+        </p:spPr>
+        <p:txBody>
+          <a:bodyPr wrap="square" rtlCol="0">
+            <a:spAutoFit/>
+          </a:bodyPr>
+          <a:lstStyle/>
+          <a:p>
+            <a:r>
+              <a:rPr lang="en-US" sz="2000" b="1" dirty="0"/>
+              <a:t>Code Savvy Robot Badge</a:t>
+            </a:r>
+          </a:p>
+        </p:txBody>
+      </p:sp>
+      <p:sp>
+        <p:nvSpPr>
+          <p:cNvPr id="38" name="TextBox 37">
+            <a:extLst>
+              <a:ext uri="{FF2B5EF4-FFF2-40B4-BE49-F238E27FC236}">
+                <a16:creationId xmlns:a16="http://schemas.microsoft.com/office/drawing/2014/main" id="{58388D85-19BD-03D8-5CE0-D02ED4929DBF}"/>
+              </a:ext>
+            </a:extLst>
+          </p:cNvPr>
+          <p:cNvSpPr txBox="1"/>
+          <p:nvPr/>
+        </p:nvSpPr>
+        <p:spPr>
+          <a:xfrm>
+            <a:off x="4875539" y="734109"/>
+            <a:ext cx="1818896" cy="369332"/>
+          </a:xfrm>
+          <a:prstGeom prst="rect">
+            <a:avLst/>
+          </a:prstGeom>
+          <a:noFill/>
+        </p:spPr>
+        <p:txBody>
+          <a:bodyPr wrap="none" rtlCol="0">
+            <a:spAutoFit/>
+          </a:bodyPr>
+          <a:lstStyle/>
+          <a:p>
+            <a:r>
+              <a:rPr lang="en-US" dirty="0"/>
+              <a:t>Motor Circuit Lab</a:t>
+            </a:r>
+          </a:p>
+        </p:txBody>
+      </p:sp>
+      <p:sp>
+        <p:nvSpPr>
+          <p:cNvPr id="39" name="TextBox 38">
+            <a:extLst>
+              <a:ext uri="{FF2B5EF4-FFF2-40B4-BE49-F238E27FC236}">
+                <a16:creationId xmlns:a16="http://schemas.microsoft.com/office/drawing/2014/main" id="{43401CC1-D550-8E09-9FAA-50E648E4BC9C}"/>
+              </a:ext>
+            </a:extLst>
+          </p:cNvPr>
+          <p:cNvSpPr txBox="1"/>
+          <p:nvPr/>
+        </p:nvSpPr>
+        <p:spPr>
+          <a:xfrm>
+            <a:off x="4875539" y="1271089"/>
+            <a:ext cx="2075761" cy="369332"/>
+          </a:xfrm>
+          <a:prstGeom prst="rect">
+            <a:avLst/>
+          </a:prstGeom>
+          <a:noFill/>
+        </p:spPr>
+        <p:txBody>
+          <a:bodyPr wrap="none" rtlCol="0">
+            <a:spAutoFit/>
+          </a:bodyPr>
+          <a:lstStyle/>
+          <a:p>
+            <a:r>
+              <a:rPr lang="en-US" dirty="0"/>
+              <a:t>Motor Direction Lab</a:t>
+            </a:r>
+          </a:p>
+        </p:txBody>
+      </p:sp>
+      <p:sp>
+        <p:nvSpPr>
+          <p:cNvPr id="40" name="TextBox 39">
+            <a:extLst>
+              <a:ext uri="{FF2B5EF4-FFF2-40B4-BE49-F238E27FC236}">
+                <a16:creationId xmlns:a16="http://schemas.microsoft.com/office/drawing/2014/main" id="{9742F120-FFF4-6CB9-4CB5-9B0E5A70B5FC}"/>
+              </a:ext>
+            </a:extLst>
+          </p:cNvPr>
+          <p:cNvSpPr txBox="1"/>
+          <p:nvPr/>
+        </p:nvSpPr>
+        <p:spPr>
+          <a:xfrm>
+            <a:off x="4875539" y="1808069"/>
+            <a:ext cx="1796646" cy="369332"/>
+          </a:xfrm>
+          <a:prstGeom prst="rect">
+            <a:avLst/>
+          </a:prstGeom>
+          <a:noFill/>
+        </p:spPr>
+        <p:txBody>
+          <a:bodyPr wrap="none" rtlCol="0">
+            <a:spAutoFit/>
+          </a:bodyPr>
+          <a:lstStyle/>
+          <a:p>
+            <a:r>
+              <a:rPr lang="en-US" dirty="0"/>
+              <a:t>Motor Speed Lab</a:t>
+            </a:r>
+          </a:p>
+        </p:txBody>
+      </p:sp>
+      <p:sp>
+        <p:nvSpPr>
+          <p:cNvPr id="41" name="TextBox 40">
+            <a:extLst>
+              <a:ext uri="{FF2B5EF4-FFF2-40B4-BE49-F238E27FC236}">
+                <a16:creationId xmlns:a16="http://schemas.microsoft.com/office/drawing/2014/main" id="{5FAEE080-6175-BEB4-E45E-82E01B88D56B}"/>
+              </a:ext>
+            </a:extLst>
+          </p:cNvPr>
+          <p:cNvSpPr txBox="1"/>
+          <p:nvPr/>
+        </p:nvSpPr>
+        <p:spPr>
+          <a:xfrm>
+            <a:off x="4875539" y="2345049"/>
+            <a:ext cx="1697901" cy="369332"/>
+          </a:xfrm>
+          <a:prstGeom prst="rect">
+            <a:avLst/>
+          </a:prstGeom>
+          <a:noFill/>
+        </p:spPr>
+        <p:txBody>
+          <a:bodyPr wrap="none" rtlCol="0">
+            <a:spAutoFit/>
+          </a:bodyPr>
+          <a:lstStyle/>
+          <a:p>
+            <a:r>
+              <a:rPr lang="en-US" dirty="0"/>
+              <a:t>Pulse Width Lab</a:t>
+            </a:r>
+          </a:p>
+        </p:txBody>
+      </p:sp>
+      <p:sp>
+        <p:nvSpPr>
+          <p:cNvPr id="42" name="TextBox 41">
+            <a:extLst>
+              <a:ext uri="{FF2B5EF4-FFF2-40B4-BE49-F238E27FC236}">
+                <a16:creationId xmlns:a16="http://schemas.microsoft.com/office/drawing/2014/main" id="{D1241FEA-4DC0-4C3C-143C-5584E546FE8A}"/>
+              </a:ext>
+            </a:extLst>
+          </p:cNvPr>
+          <p:cNvSpPr txBox="1"/>
+          <p:nvPr/>
+        </p:nvSpPr>
+        <p:spPr>
+          <a:xfrm>
+            <a:off x="4875539" y="2882029"/>
+            <a:ext cx="2057999" cy="369332"/>
+          </a:xfrm>
+          <a:prstGeom prst="rect">
+            <a:avLst/>
+          </a:prstGeom>
+          <a:noFill/>
+        </p:spPr>
+        <p:txBody>
+          <a:bodyPr wrap="none" rtlCol="0">
+            <a:spAutoFit/>
+          </a:bodyPr>
+          <a:lstStyle/>
+          <a:p>
+            <a:r>
+              <a:rPr lang="en-US" dirty="0"/>
+              <a:t>Distance Sensor Lab</a:t>
+            </a:r>
+          </a:p>
+        </p:txBody>
+      </p:sp>
+      <p:sp>
+        <p:nvSpPr>
+          <p:cNvPr id="43" name="TextBox 42">
+            <a:extLst>
+              <a:ext uri="{FF2B5EF4-FFF2-40B4-BE49-F238E27FC236}">
+                <a16:creationId xmlns:a16="http://schemas.microsoft.com/office/drawing/2014/main" id="{508ADB01-8A19-727B-FB44-4ACBA0564042}"/>
+              </a:ext>
+            </a:extLst>
+          </p:cNvPr>
+          <p:cNvSpPr txBox="1"/>
+          <p:nvPr/>
+        </p:nvSpPr>
+        <p:spPr>
+          <a:xfrm>
+            <a:off x="4875539" y="3419009"/>
+            <a:ext cx="1917384" cy="369332"/>
+          </a:xfrm>
+          <a:prstGeom prst="rect">
+            <a:avLst/>
+          </a:prstGeom>
+          <a:noFill/>
+        </p:spPr>
+        <p:txBody>
+          <a:bodyPr wrap="none" rtlCol="0">
+            <a:spAutoFit/>
+          </a:bodyPr>
+          <a:lstStyle/>
+          <a:p>
+            <a:r>
+              <a:rPr lang="en-US" dirty="0"/>
+              <a:t>Robot Reverse Lab</a:t>
+            </a:r>
+          </a:p>
+        </p:txBody>
+      </p:sp>
+      <p:sp>
+        <p:nvSpPr>
+          <p:cNvPr id="44" name="TextBox 43">
+            <a:extLst>
+              <a:ext uri="{FF2B5EF4-FFF2-40B4-BE49-F238E27FC236}">
+                <a16:creationId xmlns:a16="http://schemas.microsoft.com/office/drawing/2014/main" id="{53C6E289-7D0B-2DA6-1A85-08DB5E4BD8F7}"/>
+              </a:ext>
+            </a:extLst>
+          </p:cNvPr>
+          <p:cNvSpPr txBox="1"/>
+          <p:nvPr/>
+        </p:nvSpPr>
+        <p:spPr>
+          <a:xfrm>
+            <a:off x="4875539" y="3955989"/>
+            <a:ext cx="2127890" cy="369332"/>
+          </a:xfrm>
+          <a:prstGeom prst="rect">
+            <a:avLst/>
+          </a:prstGeom>
+          <a:noFill/>
+        </p:spPr>
+        <p:txBody>
+          <a:bodyPr wrap="none" rtlCol="0">
+            <a:spAutoFit/>
+          </a:bodyPr>
+          <a:lstStyle/>
+          <a:p>
+            <a:r>
+              <a:rPr lang="en-US" dirty="0"/>
+              <a:t>Backup and Turn Lab</a:t>
+            </a:r>
+          </a:p>
+        </p:txBody>
+      </p:sp>
+      <p:sp>
+        <p:nvSpPr>
+          <p:cNvPr id="45" name="TextBox 44">
+            <a:extLst>
+              <a:ext uri="{FF2B5EF4-FFF2-40B4-BE49-F238E27FC236}">
+                <a16:creationId xmlns:a16="http://schemas.microsoft.com/office/drawing/2014/main" id="{8B6AE9A2-84D9-18F0-B6BF-5E36D605006B}"/>
+              </a:ext>
+            </a:extLst>
+          </p:cNvPr>
+          <p:cNvSpPr txBox="1"/>
+          <p:nvPr/>
+        </p:nvSpPr>
+        <p:spPr>
+          <a:xfrm>
+            <a:off x="4875539" y="4492967"/>
+            <a:ext cx="1238352" cy="369332"/>
+          </a:xfrm>
+          <a:prstGeom prst="rect">
+            <a:avLst/>
+          </a:prstGeom>
+          <a:noFill/>
+        </p:spPr>
+        <p:txBody>
+          <a:bodyPr wrap="none" rtlCol="0">
+            <a:spAutoFit/>
+          </a:bodyPr>
+          <a:lstStyle/>
+          <a:p>
+            <a:r>
+              <a:rPr lang="en-US" dirty="0"/>
+              <a:t>Display Lab</a:t>
+            </a:r>
+          </a:p>
+        </p:txBody>
+      </p:sp>
+      <p:sp>
+        <p:nvSpPr>
+          <p:cNvPr id="56" name="TextBox 55">
+            <a:extLst>
+              <a:ext uri="{FF2B5EF4-FFF2-40B4-BE49-F238E27FC236}">
+                <a16:creationId xmlns:a16="http://schemas.microsoft.com/office/drawing/2014/main" id="{2BDCC631-6708-6EB4-064C-FEDC927BADFD}"/>
+              </a:ext>
+            </a:extLst>
+          </p:cNvPr>
+          <p:cNvSpPr txBox="1"/>
+          <p:nvPr/>
+        </p:nvSpPr>
+        <p:spPr>
+          <a:xfrm>
+            <a:off x="563880" y="5314851"/>
+            <a:ext cx="2865120" cy="400110"/>
+          </a:xfrm>
+          <a:prstGeom prst="rect">
+            <a:avLst/>
+          </a:prstGeom>
+          <a:noFill/>
+        </p:spPr>
+        <p:txBody>
+          <a:bodyPr wrap="square" rtlCol="0">
+            <a:spAutoFit/>
+          </a:bodyPr>
+          <a:lstStyle/>
+          <a:p>
+            <a:r>
+              <a:rPr lang="en-US" sz="2000" b="1" dirty="0"/>
+              <a:t>Code Savvy Robot Badge</a:t>
+            </a:r>
+          </a:p>
+        </p:txBody>
+      </p:sp>
+      <p:sp>
+        <p:nvSpPr>
+          <p:cNvPr id="57" name="TextBox 56">
+            <a:extLst>
+              <a:ext uri="{FF2B5EF4-FFF2-40B4-BE49-F238E27FC236}">
+                <a16:creationId xmlns:a16="http://schemas.microsoft.com/office/drawing/2014/main" id="{36628D87-B2CD-8E84-1D85-BC2E7DA41FCD}"/>
+              </a:ext>
+            </a:extLst>
+          </p:cNvPr>
+          <p:cNvSpPr txBox="1"/>
+          <p:nvPr/>
+        </p:nvSpPr>
+        <p:spPr>
+          <a:xfrm>
+            <a:off x="831272" y="5817081"/>
+            <a:ext cx="1818896" cy="369332"/>
+          </a:xfrm>
+          <a:prstGeom prst="rect">
+            <a:avLst/>
+          </a:prstGeom>
+          <a:noFill/>
+        </p:spPr>
+        <p:txBody>
+          <a:bodyPr wrap="none" rtlCol="0">
+            <a:spAutoFit/>
+          </a:bodyPr>
+          <a:lstStyle/>
+          <a:p>
+            <a:r>
+              <a:rPr lang="en-US" dirty="0"/>
+              <a:t>Motor Circuit Lab</a:t>
+            </a:r>
+          </a:p>
+        </p:txBody>
+      </p:sp>
+      <p:sp>
+        <p:nvSpPr>
+          <p:cNvPr id="58" name="TextBox 57">
+            <a:extLst>
+              <a:ext uri="{FF2B5EF4-FFF2-40B4-BE49-F238E27FC236}">
+                <a16:creationId xmlns:a16="http://schemas.microsoft.com/office/drawing/2014/main" id="{6678E4CC-055D-E753-D979-D8A8D5A662C8}"/>
+              </a:ext>
+            </a:extLst>
+          </p:cNvPr>
+          <p:cNvSpPr txBox="1"/>
+          <p:nvPr/>
+        </p:nvSpPr>
+        <p:spPr>
+          <a:xfrm>
+            <a:off x="831272" y="6354061"/>
+            <a:ext cx="2075761" cy="369332"/>
+          </a:xfrm>
+          <a:prstGeom prst="rect">
+            <a:avLst/>
+          </a:prstGeom>
+          <a:noFill/>
+        </p:spPr>
+        <p:txBody>
+          <a:bodyPr wrap="none" rtlCol="0">
+            <a:spAutoFit/>
+          </a:bodyPr>
+          <a:lstStyle/>
+          <a:p>
+            <a:r>
+              <a:rPr lang="en-US" dirty="0"/>
+              <a:t>Motor Direction Lab</a:t>
+            </a:r>
+          </a:p>
+        </p:txBody>
+      </p:sp>
+      <p:sp>
+        <p:nvSpPr>
+          <p:cNvPr id="59" name="TextBox 58">
+            <a:extLst>
+              <a:ext uri="{FF2B5EF4-FFF2-40B4-BE49-F238E27FC236}">
+                <a16:creationId xmlns:a16="http://schemas.microsoft.com/office/drawing/2014/main" id="{0BD3113A-F95B-36EE-CABF-F03DF6F8EC68}"/>
+              </a:ext>
+            </a:extLst>
+          </p:cNvPr>
+          <p:cNvSpPr txBox="1"/>
+          <p:nvPr/>
+        </p:nvSpPr>
+        <p:spPr>
+          <a:xfrm>
+            <a:off x="831272" y="6891041"/>
+            <a:ext cx="1796646" cy="369332"/>
+          </a:xfrm>
+          <a:prstGeom prst="rect">
+            <a:avLst/>
+          </a:prstGeom>
+          <a:noFill/>
+        </p:spPr>
+        <p:txBody>
+          <a:bodyPr wrap="none" rtlCol="0">
+            <a:spAutoFit/>
+          </a:bodyPr>
+          <a:lstStyle/>
+          <a:p>
+            <a:r>
+              <a:rPr lang="en-US" dirty="0"/>
+              <a:t>Motor Speed Lab</a:t>
+            </a:r>
+          </a:p>
+        </p:txBody>
+      </p:sp>
+      <p:sp>
+        <p:nvSpPr>
+          <p:cNvPr id="60" name="TextBox 59">
+            <a:extLst>
+              <a:ext uri="{FF2B5EF4-FFF2-40B4-BE49-F238E27FC236}">
+                <a16:creationId xmlns:a16="http://schemas.microsoft.com/office/drawing/2014/main" id="{377DEC93-4953-2827-3351-067350B358F3}"/>
+              </a:ext>
+            </a:extLst>
+          </p:cNvPr>
+          <p:cNvSpPr txBox="1"/>
+          <p:nvPr/>
+        </p:nvSpPr>
+        <p:spPr>
+          <a:xfrm>
+            <a:off x="831272" y="7428021"/>
+            <a:ext cx="1697901" cy="369332"/>
+          </a:xfrm>
+          <a:prstGeom prst="rect">
+            <a:avLst/>
+          </a:prstGeom>
+          <a:noFill/>
+        </p:spPr>
+        <p:txBody>
+          <a:bodyPr wrap="none" rtlCol="0">
+            <a:spAutoFit/>
+          </a:bodyPr>
+          <a:lstStyle/>
+          <a:p>
+            <a:r>
+              <a:rPr lang="en-US" dirty="0"/>
+              <a:t>Pulse Width Lab</a:t>
+            </a:r>
+          </a:p>
+        </p:txBody>
+      </p:sp>
+      <p:sp>
+        <p:nvSpPr>
+          <p:cNvPr id="61" name="TextBox 60">
+            <a:extLst>
+              <a:ext uri="{FF2B5EF4-FFF2-40B4-BE49-F238E27FC236}">
+                <a16:creationId xmlns:a16="http://schemas.microsoft.com/office/drawing/2014/main" id="{8568AA3B-C55A-2473-36CA-E79E832BB582}"/>
+              </a:ext>
+            </a:extLst>
+          </p:cNvPr>
+          <p:cNvSpPr txBox="1"/>
+          <p:nvPr/>
+        </p:nvSpPr>
+        <p:spPr>
+          <a:xfrm>
+            <a:off x="831272" y="7965001"/>
+            <a:ext cx="2057999" cy="369332"/>
+          </a:xfrm>
+          <a:prstGeom prst="rect">
+            <a:avLst/>
+          </a:prstGeom>
+          <a:noFill/>
+        </p:spPr>
+        <p:txBody>
+          <a:bodyPr wrap="none" rtlCol="0">
+            <a:spAutoFit/>
+          </a:bodyPr>
+          <a:lstStyle/>
+          <a:p>
+            <a:r>
+              <a:rPr lang="en-US" dirty="0"/>
+              <a:t>Distance Sensor Lab</a:t>
+            </a:r>
+          </a:p>
+        </p:txBody>
+      </p:sp>
+      <p:sp>
+        <p:nvSpPr>
+          <p:cNvPr id="62" name="TextBox 61">
+            <a:extLst>
+              <a:ext uri="{FF2B5EF4-FFF2-40B4-BE49-F238E27FC236}">
+                <a16:creationId xmlns:a16="http://schemas.microsoft.com/office/drawing/2014/main" id="{43F954D0-5913-9200-A653-E2240A387F94}"/>
+              </a:ext>
+            </a:extLst>
+          </p:cNvPr>
+          <p:cNvSpPr txBox="1"/>
+          <p:nvPr/>
+        </p:nvSpPr>
+        <p:spPr>
+          <a:xfrm>
+            <a:off x="831272" y="8501981"/>
+            <a:ext cx="1917384" cy="369332"/>
+          </a:xfrm>
+          <a:prstGeom prst="rect">
+            <a:avLst/>
+          </a:prstGeom>
+          <a:noFill/>
+        </p:spPr>
+        <p:txBody>
+          <a:bodyPr wrap="none" rtlCol="0">
+            <a:spAutoFit/>
+          </a:bodyPr>
+          <a:lstStyle/>
+          <a:p>
+            <a:r>
+              <a:rPr lang="en-US" dirty="0"/>
+              <a:t>Robot Reverse Lab</a:t>
+            </a:r>
+          </a:p>
+        </p:txBody>
+      </p:sp>
+      <p:sp>
+        <p:nvSpPr>
+          <p:cNvPr id="63" name="TextBox 62">
+            <a:extLst>
+              <a:ext uri="{FF2B5EF4-FFF2-40B4-BE49-F238E27FC236}">
+                <a16:creationId xmlns:a16="http://schemas.microsoft.com/office/drawing/2014/main" id="{0AA1BBEC-1850-7C2E-AF02-658BF56725F6}"/>
+              </a:ext>
+            </a:extLst>
+          </p:cNvPr>
+          <p:cNvSpPr txBox="1"/>
+          <p:nvPr/>
+        </p:nvSpPr>
+        <p:spPr>
+          <a:xfrm>
+            <a:off x="831272" y="9038961"/>
+            <a:ext cx="2127890" cy="369332"/>
+          </a:xfrm>
+          <a:prstGeom prst="rect">
+            <a:avLst/>
+          </a:prstGeom>
+          <a:noFill/>
+        </p:spPr>
+        <p:txBody>
+          <a:bodyPr wrap="none" rtlCol="0">
+            <a:spAutoFit/>
+          </a:bodyPr>
+          <a:lstStyle/>
+          <a:p>
+            <a:r>
+              <a:rPr lang="en-US" dirty="0"/>
+              <a:t>Backup and Turn Lab</a:t>
+            </a:r>
+          </a:p>
+        </p:txBody>
+      </p:sp>
+      <p:sp>
+        <p:nvSpPr>
+          <p:cNvPr id="64" name="TextBox 63">
+            <a:extLst>
+              <a:ext uri="{FF2B5EF4-FFF2-40B4-BE49-F238E27FC236}">
+                <a16:creationId xmlns:a16="http://schemas.microsoft.com/office/drawing/2014/main" id="{8B38BC39-40ED-7223-1830-68611D317B77}"/>
+              </a:ext>
+            </a:extLst>
+          </p:cNvPr>
+          <p:cNvSpPr txBox="1"/>
+          <p:nvPr/>
+        </p:nvSpPr>
+        <p:spPr>
+          <a:xfrm>
+            <a:off x="831272" y="9575939"/>
+            <a:ext cx="1238352" cy="369332"/>
+          </a:xfrm>
+          <a:prstGeom prst="rect">
+            <a:avLst/>
+          </a:prstGeom>
+          <a:noFill/>
+        </p:spPr>
+        <p:txBody>
+          <a:bodyPr wrap="none" rtlCol="0">
+            <a:spAutoFit/>
+          </a:bodyPr>
+          <a:lstStyle/>
+          <a:p>
+            <a:r>
+              <a:rPr lang="en-US" dirty="0"/>
+              <a:t>Display Lab</a:t>
+            </a:r>
+          </a:p>
+        </p:txBody>
+      </p:sp>
+      <p:sp>
+        <p:nvSpPr>
+          <p:cNvPr id="74" name="TextBox 73">
+            <a:extLst>
+              <a:ext uri="{FF2B5EF4-FFF2-40B4-BE49-F238E27FC236}">
+                <a16:creationId xmlns:a16="http://schemas.microsoft.com/office/drawing/2014/main" id="{3AF45BFD-FFB2-617D-692C-5573505DE6A8}"/>
+              </a:ext>
+            </a:extLst>
+          </p:cNvPr>
+          <p:cNvSpPr txBox="1"/>
+          <p:nvPr/>
+        </p:nvSpPr>
+        <p:spPr>
+          <a:xfrm>
+            <a:off x="4508395" y="5292333"/>
+            <a:ext cx="2865120" cy="400110"/>
+          </a:xfrm>
+          <a:prstGeom prst="rect">
+            <a:avLst/>
+          </a:prstGeom>
+          <a:noFill/>
+        </p:spPr>
+        <p:txBody>
+          <a:bodyPr wrap="square" rtlCol="0">
+            <a:spAutoFit/>
+          </a:bodyPr>
+          <a:lstStyle/>
+          <a:p>
+            <a:r>
+              <a:rPr lang="en-US" sz="2000" b="1" dirty="0"/>
+              <a:t>Code Savvy Robot Badge</a:t>
+            </a:r>
+          </a:p>
+        </p:txBody>
+      </p:sp>
+      <p:sp>
+        <p:nvSpPr>
+          <p:cNvPr id="75" name="TextBox 74">
+            <a:extLst>
+              <a:ext uri="{FF2B5EF4-FFF2-40B4-BE49-F238E27FC236}">
+                <a16:creationId xmlns:a16="http://schemas.microsoft.com/office/drawing/2014/main" id="{74131327-60EB-0D40-FAFE-BE5E16315AEE}"/>
+              </a:ext>
+            </a:extLst>
+          </p:cNvPr>
+          <p:cNvSpPr txBox="1"/>
+          <p:nvPr/>
+        </p:nvSpPr>
+        <p:spPr>
+          <a:xfrm>
+            <a:off x="4775787" y="5794563"/>
+            <a:ext cx="1818896" cy="369332"/>
+          </a:xfrm>
+          <a:prstGeom prst="rect">
+            <a:avLst/>
+          </a:prstGeom>
+          <a:noFill/>
+        </p:spPr>
+        <p:txBody>
+          <a:bodyPr wrap="none" rtlCol="0">
+            <a:spAutoFit/>
+          </a:bodyPr>
+          <a:lstStyle/>
+          <a:p>
+            <a:r>
+              <a:rPr lang="en-US" dirty="0"/>
+              <a:t>Motor Circuit Lab</a:t>
+            </a:r>
+          </a:p>
+        </p:txBody>
+      </p:sp>
+      <p:sp>
+        <p:nvSpPr>
+          <p:cNvPr id="76" name="TextBox 75">
+            <a:extLst>
+              <a:ext uri="{FF2B5EF4-FFF2-40B4-BE49-F238E27FC236}">
+                <a16:creationId xmlns:a16="http://schemas.microsoft.com/office/drawing/2014/main" id="{6877E7CD-EBEF-813F-5E7D-AD15F4A4E837}"/>
+              </a:ext>
+            </a:extLst>
+          </p:cNvPr>
+          <p:cNvSpPr txBox="1"/>
+          <p:nvPr/>
+        </p:nvSpPr>
+        <p:spPr>
+          <a:xfrm>
+            <a:off x="4775787" y="6331543"/>
+            <a:ext cx="2075761" cy="369332"/>
+          </a:xfrm>
+          <a:prstGeom prst="rect">
+            <a:avLst/>
+          </a:prstGeom>
+          <a:noFill/>
+        </p:spPr>
+        <p:txBody>
+          <a:bodyPr wrap="none" rtlCol="0">
+            <a:spAutoFit/>
+          </a:bodyPr>
+          <a:lstStyle/>
+          <a:p>
+            <a:r>
+              <a:rPr lang="en-US" dirty="0"/>
+              <a:t>Motor Direction Lab</a:t>
+            </a:r>
+          </a:p>
+        </p:txBody>
+      </p:sp>
+      <p:sp>
+        <p:nvSpPr>
+          <p:cNvPr id="77" name="TextBox 76">
+            <a:extLst>
+              <a:ext uri="{FF2B5EF4-FFF2-40B4-BE49-F238E27FC236}">
+                <a16:creationId xmlns:a16="http://schemas.microsoft.com/office/drawing/2014/main" id="{8DEC9657-CF46-536F-7EB6-94D69D55D5F6}"/>
+              </a:ext>
+            </a:extLst>
+          </p:cNvPr>
+          <p:cNvSpPr txBox="1"/>
+          <p:nvPr/>
+        </p:nvSpPr>
+        <p:spPr>
+          <a:xfrm>
+            <a:off x="4775787" y="6868523"/>
+            <a:ext cx="1796646" cy="369332"/>
+          </a:xfrm>
+          <a:prstGeom prst="rect">
+            <a:avLst/>
+          </a:prstGeom>
+          <a:noFill/>
+        </p:spPr>
+        <p:txBody>
+          <a:bodyPr wrap="none" rtlCol="0">
+            <a:spAutoFit/>
+          </a:bodyPr>
+          <a:lstStyle/>
+          <a:p>
+            <a:r>
+              <a:rPr lang="en-US" dirty="0"/>
+              <a:t>Motor Speed Lab</a:t>
+            </a:r>
+          </a:p>
+        </p:txBody>
+      </p:sp>
+      <p:sp>
+        <p:nvSpPr>
+          <p:cNvPr id="78" name="TextBox 77">
+            <a:extLst>
+              <a:ext uri="{FF2B5EF4-FFF2-40B4-BE49-F238E27FC236}">
+                <a16:creationId xmlns:a16="http://schemas.microsoft.com/office/drawing/2014/main" id="{997E7498-61E2-65A8-2DB3-01144D0F2C64}"/>
+              </a:ext>
+            </a:extLst>
+          </p:cNvPr>
+          <p:cNvSpPr txBox="1"/>
+          <p:nvPr/>
+        </p:nvSpPr>
+        <p:spPr>
+          <a:xfrm>
+            <a:off x="4775787" y="7405503"/>
+            <a:ext cx="1697901" cy="369332"/>
+          </a:xfrm>
+          <a:prstGeom prst="rect">
+            <a:avLst/>
+          </a:prstGeom>
+          <a:noFill/>
+        </p:spPr>
+        <p:txBody>
+          <a:bodyPr wrap="none" rtlCol="0">
+            <a:spAutoFit/>
+          </a:bodyPr>
+          <a:lstStyle/>
+          <a:p>
+            <a:r>
+              <a:rPr lang="en-US" dirty="0"/>
+              <a:t>Pulse Width Lab</a:t>
+            </a:r>
+          </a:p>
+        </p:txBody>
+      </p:sp>
+      <p:sp>
+        <p:nvSpPr>
+          <p:cNvPr id="79" name="TextBox 78">
+            <a:extLst>
+              <a:ext uri="{FF2B5EF4-FFF2-40B4-BE49-F238E27FC236}">
+                <a16:creationId xmlns:a16="http://schemas.microsoft.com/office/drawing/2014/main" id="{B63B32E0-7163-928B-6AEB-FE927836C8AD}"/>
+              </a:ext>
+            </a:extLst>
+          </p:cNvPr>
+          <p:cNvSpPr txBox="1"/>
+          <p:nvPr/>
+        </p:nvSpPr>
+        <p:spPr>
+          <a:xfrm>
+            <a:off x="4775787" y="7942483"/>
+            <a:ext cx="2057999" cy="369332"/>
+          </a:xfrm>
+          <a:prstGeom prst="rect">
+            <a:avLst/>
+          </a:prstGeom>
+          <a:noFill/>
+        </p:spPr>
+        <p:txBody>
+          <a:bodyPr wrap="none" rtlCol="0">
+            <a:spAutoFit/>
+          </a:bodyPr>
+          <a:lstStyle/>
+          <a:p>
+            <a:r>
+              <a:rPr lang="en-US" dirty="0"/>
+              <a:t>Distance Sensor Lab</a:t>
+            </a:r>
+          </a:p>
+        </p:txBody>
+      </p:sp>
+      <p:sp>
+        <p:nvSpPr>
+          <p:cNvPr id="80" name="TextBox 79">
+            <a:extLst>
+              <a:ext uri="{FF2B5EF4-FFF2-40B4-BE49-F238E27FC236}">
+                <a16:creationId xmlns:a16="http://schemas.microsoft.com/office/drawing/2014/main" id="{09A1E6F9-15D9-EED3-C6DC-252F01160C23}"/>
+              </a:ext>
+            </a:extLst>
+          </p:cNvPr>
+          <p:cNvSpPr txBox="1"/>
+          <p:nvPr/>
+        </p:nvSpPr>
+        <p:spPr>
+          <a:xfrm>
+            <a:off x="4775787" y="8479463"/>
+            <a:ext cx="1917384" cy="369332"/>
+          </a:xfrm>
+          <a:prstGeom prst="rect">
+            <a:avLst/>
+          </a:prstGeom>
+          <a:noFill/>
+        </p:spPr>
+        <p:txBody>
+          <a:bodyPr wrap="none" rtlCol="0">
+            <a:spAutoFit/>
+          </a:bodyPr>
+          <a:lstStyle/>
+          <a:p>
+            <a:r>
+              <a:rPr lang="en-US" dirty="0"/>
+              <a:t>Robot Reverse Lab</a:t>
+            </a:r>
+          </a:p>
+        </p:txBody>
+      </p:sp>
+      <p:sp>
+        <p:nvSpPr>
+          <p:cNvPr id="81" name="TextBox 80">
+            <a:extLst>
+              <a:ext uri="{FF2B5EF4-FFF2-40B4-BE49-F238E27FC236}">
+                <a16:creationId xmlns:a16="http://schemas.microsoft.com/office/drawing/2014/main" id="{300E3A78-8091-133C-8E45-1CB0A3E7FA46}"/>
+              </a:ext>
+            </a:extLst>
+          </p:cNvPr>
+          <p:cNvSpPr txBox="1"/>
+          <p:nvPr/>
+        </p:nvSpPr>
+        <p:spPr>
+          <a:xfrm>
+            <a:off x="4775787" y="9016443"/>
+            <a:ext cx="2127890" cy="369332"/>
+          </a:xfrm>
+          <a:prstGeom prst="rect">
+            <a:avLst/>
+          </a:prstGeom>
+          <a:noFill/>
+        </p:spPr>
+        <p:txBody>
+          <a:bodyPr wrap="none" rtlCol="0">
+            <a:spAutoFit/>
+          </a:bodyPr>
+          <a:lstStyle/>
+          <a:p>
+            <a:r>
+              <a:rPr lang="en-US" dirty="0"/>
+              <a:t>Backup and Turn Lab</a:t>
+            </a:r>
+          </a:p>
+        </p:txBody>
+      </p:sp>
+      <p:sp>
+        <p:nvSpPr>
+          <p:cNvPr id="82" name="TextBox 81">
+            <a:extLst>
+              <a:ext uri="{FF2B5EF4-FFF2-40B4-BE49-F238E27FC236}">
+                <a16:creationId xmlns:a16="http://schemas.microsoft.com/office/drawing/2014/main" id="{BE37035D-717D-36EB-2C1E-E5E8319147AD}"/>
+              </a:ext>
+            </a:extLst>
+          </p:cNvPr>
+          <p:cNvSpPr txBox="1"/>
+          <p:nvPr/>
+        </p:nvSpPr>
+        <p:spPr>
+          <a:xfrm>
+            <a:off x="4775787" y="9553421"/>
+            <a:ext cx="1238352" cy="369332"/>
+          </a:xfrm>
+          <a:prstGeom prst="rect">
+            <a:avLst/>
+          </a:prstGeom>
+          <a:noFill/>
+        </p:spPr>
+        <p:txBody>
+          <a:bodyPr wrap="none" rtlCol="0">
+            <a:spAutoFit/>
+          </a:bodyPr>
+          <a:lstStyle/>
+          <a:p>
+            <a:r>
+              <a:rPr lang="en-US" dirty="0"/>
+              <a:t>Display Lab</a:t>
+            </a:r>
+          </a:p>
+        </p:txBody>
+      </p:sp>
       <p:grpSp>
         <p:nvGrpSpPr>
-          <p:cNvPr id="46" name="Group 45">
+          <p:cNvPr id="2" name="Group 1">
             <a:extLst>
               <a:ext uri="{FF2B5EF4-FFF2-40B4-BE49-F238E27FC236}">
-                <a16:creationId xmlns:a16="http://schemas.microsoft.com/office/drawing/2014/main" id="{AFB606A3-0C99-E1D0-A11E-7A0D7324BEA1}"/>
+                <a16:creationId xmlns:a16="http://schemas.microsoft.com/office/drawing/2014/main" id="{5653B980-FBED-9A62-C731-108FDCC3339C}"/>
               </a:ext>
             </a:extLst>
           </p:cNvPr>
@@ -3820,780 +4772,7 @@
         </p:nvGrpSpPr>
         <p:grpSpPr>
           <a:xfrm>
-            <a:off x="4440507" y="231879"/>
-            <a:ext cx="3032760" cy="4630420"/>
-            <a:chOff x="548640" y="316266"/>
-            <a:chExt cx="3032760" cy="4630420"/>
-          </a:xfrm>
-        </p:grpSpPr>
-        <p:grpSp>
-          <p:nvGrpSpPr>
-            <p:cNvPr id="28" name="Group 27">
-              <a:extLst>
-                <a:ext uri="{FF2B5EF4-FFF2-40B4-BE49-F238E27FC236}">
-                  <a16:creationId xmlns:a16="http://schemas.microsoft.com/office/drawing/2014/main" id="{2838AC77-49F8-39E3-4DA3-896FA84D8FC8}"/>
-                </a:ext>
-              </a:extLst>
-            </p:cNvPr>
-            <p:cNvGrpSpPr/>
-            <p:nvPr/>
-          </p:nvGrpSpPr>
-          <p:grpSpPr>
-            <a:xfrm>
-              <a:off x="548640" y="838200"/>
-              <a:ext cx="335280" cy="4069080"/>
-              <a:chOff x="381000" y="381000"/>
-              <a:chExt cx="365760" cy="4511040"/>
-            </a:xfrm>
-          </p:grpSpPr>
-          <p:sp>
-            <p:nvSpPr>
-              <p:cNvPr id="29" name="Rectangle 28">
-                <a:extLst>
-                  <a:ext uri="{FF2B5EF4-FFF2-40B4-BE49-F238E27FC236}">
-                    <a16:creationId xmlns:a16="http://schemas.microsoft.com/office/drawing/2014/main" id="{695953D2-F7AC-EC15-6460-E0CC3D8ACDC4}"/>
-                  </a:ext>
-                </a:extLst>
-              </p:cNvPr>
-              <p:cNvSpPr/>
-              <p:nvPr/>
-            </p:nvSpPr>
-            <p:spPr>
-              <a:xfrm>
-                <a:off x="381000" y="381000"/>
-                <a:ext cx="365760" cy="365760"/>
-              </a:xfrm>
-              <a:prstGeom prst="rect">
-                <a:avLst/>
-              </a:prstGeom>
-              <a:noFill/>
-              <a:ln w="28575">
-                <a:solidFill>
-                  <a:schemeClr val="tx1"/>
-                </a:solidFill>
-              </a:ln>
-            </p:spPr>
-            <p:style>
-              <a:lnRef idx="2">
-                <a:schemeClr val="accent1">
-                  <a:shade val="50000"/>
-                </a:schemeClr>
-              </a:lnRef>
-              <a:fillRef idx="1">
-                <a:schemeClr val="accent1"/>
-              </a:fillRef>
-              <a:effectRef idx="0">
-                <a:schemeClr val="accent1"/>
-              </a:effectRef>
-              <a:fontRef idx="minor">
-                <a:schemeClr val="lt1"/>
-              </a:fontRef>
-            </p:style>
-            <p:txBody>
-              <a:bodyPr rtlCol="0" anchor="ctr"/>
-              <a:lstStyle/>
-              <a:p>
-                <a:pPr algn="ctr"/>
-                <a:endParaRPr lang="en-US"/>
-              </a:p>
-            </p:txBody>
-          </p:sp>
-          <p:sp>
-            <p:nvSpPr>
-              <p:cNvPr id="30" name="Rectangle 29">
-                <a:extLst>
-                  <a:ext uri="{FF2B5EF4-FFF2-40B4-BE49-F238E27FC236}">
-                    <a16:creationId xmlns:a16="http://schemas.microsoft.com/office/drawing/2014/main" id="{FD7F55D9-941A-FABE-E583-A692C28CD10D}"/>
-                  </a:ext>
-                </a:extLst>
-              </p:cNvPr>
-              <p:cNvSpPr/>
-              <p:nvPr/>
-            </p:nvSpPr>
-            <p:spPr>
-              <a:xfrm>
-                <a:off x="381000" y="1565366"/>
-                <a:ext cx="365760" cy="365760"/>
-              </a:xfrm>
-              <a:prstGeom prst="rect">
-                <a:avLst/>
-              </a:prstGeom>
-              <a:noFill/>
-              <a:ln w="28575">
-                <a:solidFill>
-                  <a:schemeClr val="tx1"/>
-                </a:solidFill>
-              </a:ln>
-            </p:spPr>
-            <p:style>
-              <a:lnRef idx="2">
-                <a:schemeClr val="accent1">
-                  <a:shade val="50000"/>
-                </a:schemeClr>
-              </a:lnRef>
-              <a:fillRef idx="1">
-                <a:schemeClr val="accent1"/>
-              </a:fillRef>
-              <a:effectRef idx="0">
-                <a:schemeClr val="accent1"/>
-              </a:effectRef>
-              <a:fontRef idx="minor">
-                <a:schemeClr val="lt1"/>
-              </a:fontRef>
-            </p:style>
-            <p:txBody>
-              <a:bodyPr rtlCol="0" anchor="ctr"/>
-              <a:lstStyle/>
-              <a:p>
-                <a:pPr algn="ctr"/>
-                <a:endParaRPr lang="en-US"/>
-              </a:p>
-            </p:txBody>
-          </p:sp>
-          <p:sp>
-            <p:nvSpPr>
-              <p:cNvPr id="31" name="Rectangle 30">
-                <a:extLst>
-                  <a:ext uri="{FF2B5EF4-FFF2-40B4-BE49-F238E27FC236}">
-                    <a16:creationId xmlns:a16="http://schemas.microsoft.com/office/drawing/2014/main" id="{A6E3A422-D49F-29CA-48D0-2314C53D32D6}"/>
-                  </a:ext>
-                </a:extLst>
-              </p:cNvPr>
-              <p:cNvSpPr/>
-              <p:nvPr/>
-            </p:nvSpPr>
-            <p:spPr>
-              <a:xfrm>
-                <a:off x="381000" y="973183"/>
-                <a:ext cx="365760" cy="365760"/>
-              </a:xfrm>
-              <a:prstGeom prst="rect">
-                <a:avLst/>
-              </a:prstGeom>
-              <a:noFill/>
-              <a:ln w="28575">
-                <a:solidFill>
-                  <a:schemeClr val="tx1"/>
-                </a:solidFill>
-              </a:ln>
-            </p:spPr>
-            <p:style>
-              <a:lnRef idx="2">
-                <a:schemeClr val="accent1">
-                  <a:shade val="50000"/>
-                </a:schemeClr>
-              </a:lnRef>
-              <a:fillRef idx="1">
-                <a:schemeClr val="accent1"/>
-              </a:fillRef>
-              <a:effectRef idx="0">
-                <a:schemeClr val="accent1"/>
-              </a:effectRef>
-              <a:fontRef idx="minor">
-                <a:schemeClr val="lt1"/>
-              </a:fontRef>
-            </p:style>
-            <p:txBody>
-              <a:bodyPr rtlCol="0" anchor="ctr"/>
-              <a:lstStyle/>
-              <a:p>
-                <a:pPr algn="ctr"/>
-                <a:endParaRPr lang="en-US"/>
-              </a:p>
-            </p:txBody>
-          </p:sp>
-          <p:sp>
-            <p:nvSpPr>
-              <p:cNvPr id="32" name="Rectangle 31">
-                <a:extLst>
-                  <a:ext uri="{FF2B5EF4-FFF2-40B4-BE49-F238E27FC236}">
-                    <a16:creationId xmlns:a16="http://schemas.microsoft.com/office/drawing/2014/main" id="{B2B817C4-732F-D687-D940-4BCBDA4088DE}"/>
-                  </a:ext>
-                </a:extLst>
-              </p:cNvPr>
-              <p:cNvSpPr/>
-              <p:nvPr/>
-            </p:nvSpPr>
-            <p:spPr>
-              <a:xfrm>
-                <a:off x="381000" y="2157549"/>
-                <a:ext cx="365760" cy="365760"/>
-              </a:xfrm>
-              <a:prstGeom prst="rect">
-                <a:avLst/>
-              </a:prstGeom>
-              <a:noFill/>
-              <a:ln w="28575">
-                <a:solidFill>
-                  <a:schemeClr val="tx1"/>
-                </a:solidFill>
-              </a:ln>
-            </p:spPr>
-            <p:style>
-              <a:lnRef idx="2">
-                <a:schemeClr val="accent1">
-                  <a:shade val="50000"/>
-                </a:schemeClr>
-              </a:lnRef>
-              <a:fillRef idx="1">
-                <a:schemeClr val="accent1"/>
-              </a:fillRef>
-              <a:effectRef idx="0">
-                <a:schemeClr val="accent1"/>
-              </a:effectRef>
-              <a:fontRef idx="minor">
-                <a:schemeClr val="lt1"/>
-              </a:fontRef>
-            </p:style>
-            <p:txBody>
-              <a:bodyPr rtlCol="0" anchor="ctr"/>
-              <a:lstStyle/>
-              <a:p>
-                <a:pPr algn="ctr"/>
-                <a:endParaRPr lang="en-US"/>
-              </a:p>
-            </p:txBody>
-          </p:sp>
-          <p:sp>
-            <p:nvSpPr>
-              <p:cNvPr id="33" name="Rectangle 32">
-                <a:extLst>
-                  <a:ext uri="{FF2B5EF4-FFF2-40B4-BE49-F238E27FC236}">
-                    <a16:creationId xmlns:a16="http://schemas.microsoft.com/office/drawing/2014/main" id="{256BF25D-A2BB-DA26-EB32-7ED3482A266D}"/>
-                  </a:ext>
-                </a:extLst>
-              </p:cNvPr>
-              <p:cNvSpPr/>
-              <p:nvPr/>
-            </p:nvSpPr>
-            <p:spPr>
-              <a:xfrm>
-                <a:off x="381000" y="2749732"/>
-                <a:ext cx="365760" cy="365760"/>
-              </a:xfrm>
-              <a:prstGeom prst="rect">
-                <a:avLst/>
-              </a:prstGeom>
-              <a:noFill/>
-              <a:ln w="28575">
-                <a:solidFill>
-                  <a:schemeClr val="tx1"/>
-                </a:solidFill>
-              </a:ln>
-            </p:spPr>
-            <p:style>
-              <a:lnRef idx="2">
-                <a:schemeClr val="accent1">
-                  <a:shade val="50000"/>
-                </a:schemeClr>
-              </a:lnRef>
-              <a:fillRef idx="1">
-                <a:schemeClr val="accent1"/>
-              </a:fillRef>
-              <a:effectRef idx="0">
-                <a:schemeClr val="accent1"/>
-              </a:effectRef>
-              <a:fontRef idx="minor">
-                <a:schemeClr val="lt1"/>
-              </a:fontRef>
-            </p:style>
-            <p:txBody>
-              <a:bodyPr rtlCol="0" anchor="ctr"/>
-              <a:lstStyle/>
-              <a:p>
-                <a:pPr algn="ctr"/>
-                <a:endParaRPr lang="en-US"/>
-              </a:p>
-            </p:txBody>
-          </p:sp>
-          <p:sp>
-            <p:nvSpPr>
-              <p:cNvPr id="34" name="Rectangle 33">
-                <a:extLst>
-                  <a:ext uri="{FF2B5EF4-FFF2-40B4-BE49-F238E27FC236}">
-                    <a16:creationId xmlns:a16="http://schemas.microsoft.com/office/drawing/2014/main" id="{4317C7C7-FF4B-5532-C35F-D0252A2B42AC}"/>
-                  </a:ext>
-                </a:extLst>
-              </p:cNvPr>
-              <p:cNvSpPr/>
-              <p:nvPr/>
-            </p:nvSpPr>
-            <p:spPr>
-              <a:xfrm>
-                <a:off x="381000" y="3934098"/>
-                <a:ext cx="365760" cy="365760"/>
-              </a:xfrm>
-              <a:prstGeom prst="rect">
-                <a:avLst/>
-              </a:prstGeom>
-              <a:noFill/>
-              <a:ln w="28575">
-                <a:solidFill>
-                  <a:schemeClr val="tx1"/>
-                </a:solidFill>
-              </a:ln>
-            </p:spPr>
-            <p:style>
-              <a:lnRef idx="2">
-                <a:schemeClr val="accent1">
-                  <a:shade val="50000"/>
-                </a:schemeClr>
-              </a:lnRef>
-              <a:fillRef idx="1">
-                <a:schemeClr val="accent1"/>
-              </a:fillRef>
-              <a:effectRef idx="0">
-                <a:schemeClr val="accent1"/>
-              </a:effectRef>
-              <a:fontRef idx="minor">
-                <a:schemeClr val="lt1"/>
-              </a:fontRef>
-            </p:style>
-            <p:txBody>
-              <a:bodyPr rtlCol="0" anchor="ctr"/>
-              <a:lstStyle/>
-              <a:p>
-                <a:pPr algn="ctr"/>
-                <a:endParaRPr lang="en-US"/>
-              </a:p>
-            </p:txBody>
-          </p:sp>
-          <p:sp>
-            <p:nvSpPr>
-              <p:cNvPr id="35" name="Rectangle 34">
-                <a:extLst>
-                  <a:ext uri="{FF2B5EF4-FFF2-40B4-BE49-F238E27FC236}">
-                    <a16:creationId xmlns:a16="http://schemas.microsoft.com/office/drawing/2014/main" id="{9839EBE1-D29D-63D8-6ED6-1067520C3886}"/>
-                  </a:ext>
-                </a:extLst>
-              </p:cNvPr>
-              <p:cNvSpPr/>
-              <p:nvPr/>
-            </p:nvSpPr>
-            <p:spPr>
-              <a:xfrm>
-                <a:off x="381000" y="3341915"/>
-                <a:ext cx="365760" cy="365760"/>
-              </a:xfrm>
-              <a:prstGeom prst="rect">
-                <a:avLst/>
-              </a:prstGeom>
-              <a:noFill/>
-              <a:ln w="28575">
-                <a:solidFill>
-                  <a:schemeClr val="tx1"/>
-                </a:solidFill>
-              </a:ln>
-            </p:spPr>
-            <p:style>
-              <a:lnRef idx="2">
-                <a:schemeClr val="accent1">
-                  <a:shade val="50000"/>
-                </a:schemeClr>
-              </a:lnRef>
-              <a:fillRef idx="1">
-                <a:schemeClr val="accent1"/>
-              </a:fillRef>
-              <a:effectRef idx="0">
-                <a:schemeClr val="accent1"/>
-              </a:effectRef>
-              <a:fontRef idx="minor">
-                <a:schemeClr val="lt1"/>
-              </a:fontRef>
-            </p:style>
-            <p:txBody>
-              <a:bodyPr rtlCol="0" anchor="ctr"/>
-              <a:lstStyle/>
-              <a:p>
-                <a:pPr algn="ctr"/>
-                <a:endParaRPr lang="en-US"/>
-              </a:p>
-            </p:txBody>
-          </p:sp>
-          <p:sp>
-            <p:nvSpPr>
-              <p:cNvPr id="36" name="Rectangle 35">
-                <a:extLst>
-                  <a:ext uri="{FF2B5EF4-FFF2-40B4-BE49-F238E27FC236}">
-                    <a16:creationId xmlns:a16="http://schemas.microsoft.com/office/drawing/2014/main" id="{0CDFD915-396B-DD11-56FC-41BA31C20B82}"/>
-                  </a:ext>
-                </a:extLst>
-              </p:cNvPr>
-              <p:cNvSpPr/>
-              <p:nvPr/>
-            </p:nvSpPr>
-            <p:spPr>
-              <a:xfrm>
-                <a:off x="381000" y="4526280"/>
-                <a:ext cx="365760" cy="365760"/>
-              </a:xfrm>
-              <a:prstGeom prst="rect">
-                <a:avLst/>
-              </a:prstGeom>
-              <a:noFill/>
-              <a:ln w="28575">
-                <a:solidFill>
-                  <a:schemeClr val="tx1"/>
-                </a:solidFill>
-              </a:ln>
-            </p:spPr>
-            <p:style>
-              <a:lnRef idx="2">
-                <a:schemeClr val="accent1">
-                  <a:shade val="50000"/>
-                </a:schemeClr>
-              </a:lnRef>
-              <a:fillRef idx="1">
-                <a:schemeClr val="accent1"/>
-              </a:fillRef>
-              <a:effectRef idx="0">
-                <a:schemeClr val="accent1"/>
-              </a:effectRef>
-              <a:fontRef idx="minor">
-                <a:schemeClr val="lt1"/>
-              </a:fontRef>
-            </p:style>
-            <p:txBody>
-              <a:bodyPr rtlCol="0" anchor="ctr"/>
-              <a:lstStyle/>
-              <a:p>
-                <a:pPr algn="ctr"/>
-                <a:endParaRPr lang="en-US"/>
-              </a:p>
-            </p:txBody>
-          </p:sp>
-        </p:grpSp>
-        <p:sp>
-          <p:nvSpPr>
-            <p:cNvPr id="37" name="TextBox 36">
-              <a:extLst>
-                <a:ext uri="{FF2B5EF4-FFF2-40B4-BE49-F238E27FC236}">
-                  <a16:creationId xmlns:a16="http://schemas.microsoft.com/office/drawing/2014/main" id="{3084B1C3-7E5D-1021-E309-384FCC399DF4}"/>
-                </a:ext>
-              </a:extLst>
-            </p:cNvPr>
-            <p:cNvSpPr txBox="1"/>
-            <p:nvPr/>
-          </p:nvSpPr>
-          <p:spPr>
-            <a:xfrm>
-              <a:off x="716280" y="316266"/>
-              <a:ext cx="2865120" cy="400110"/>
-            </a:xfrm>
-            <a:prstGeom prst="rect">
-              <a:avLst/>
-            </a:prstGeom>
-            <a:noFill/>
-          </p:spPr>
-          <p:txBody>
-            <a:bodyPr wrap="square" rtlCol="0">
-              <a:spAutoFit/>
-            </a:bodyPr>
-            <a:lstStyle/>
-            <a:p>
-              <a:r>
-                <a:rPr lang="en-US" sz="2000" b="1" dirty="0"/>
-                <a:t>Code Savvy Robot Badge</a:t>
-              </a:r>
-            </a:p>
-          </p:txBody>
-        </p:sp>
-        <p:sp>
-          <p:nvSpPr>
-            <p:cNvPr id="38" name="TextBox 37">
-              <a:extLst>
-                <a:ext uri="{FF2B5EF4-FFF2-40B4-BE49-F238E27FC236}">
-                  <a16:creationId xmlns:a16="http://schemas.microsoft.com/office/drawing/2014/main" id="{58388D85-19BD-03D8-5CE0-D02ED4929DBF}"/>
-                </a:ext>
-              </a:extLst>
-            </p:cNvPr>
-            <p:cNvSpPr txBox="1"/>
-            <p:nvPr/>
-          </p:nvSpPr>
-          <p:spPr>
-            <a:xfrm>
-              <a:off x="983672" y="818496"/>
-              <a:ext cx="1818896" cy="369332"/>
-            </a:xfrm>
-            <a:prstGeom prst="rect">
-              <a:avLst/>
-            </a:prstGeom>
-            <a:noFill/>
-          </p:spPr>
-          <p:txBody>
-            <a:bodyPr wrap="none" rtlCol="0">
-              <a:spAutoFit/>
-            </a:bodyPr>
-            <a:lstStyle/>
-            <a:p>
-              <a:r>
-                <a:rPr lang="en-US" dirty="0"/>
-                <a:t>Motor Circuit Lab</a:t>
-              </a:r>
-            </a:p>
-          </p:txBody>
-        </p:sp>
-        <p:sp>
-          <p:nvSpPr>
-            <p:cNvPr id="39" name="TextBox 38">
-              <a:extLst>
-                <a:ext uri="{FF2B5EF4-FFF2-40B4-BE49-F238E27FC236}">
-                  <a16:creationId xmlns:a16="http://schemas.microsoft.com/office/drawing/2014/main" id="{43401CC1-D550-8E09-9FAA-50E648E4BC9C}"/>
-                </a:ext>
-              </a:extLst>
-            </p:cNvPr>
-            <p:cNvSpPr txBox="1"/>
-            <p:nvPr/>
-          </p:nvSpPr>
-          <p:spPr>
-            <a:xfrm>
-              <a:off x="983672" y="1355476"/>
-              <a:ext cx="2075761" cy="369332"/>
-            </a:xfrm>
-            <a:prstGeom prst="rect">
-              <a:avLst/>
-            </a:prstGeom>
-            <a:noFill/>
-          </p:spPr>
-          <p:txBody>
-            <a:bodyPr wrap="none" rtlCol="0">
-              <a:spAutoFit/>
-            </a:bodyPr>
-            <a:lstStyle/>
-            <a:p>
-              <a:r>
-                <a:rPr lang="en-US" dirty="0"/>
-                <a:t>Motor Direction Lab</a:t>
-              </a:r>
-            </a:p>
-          </p:txBody>
-        </p:sp>
-        <p:sp>
-          <p:nvSpPr>
-            <p:cNvPr id="40" name="TextBox 39">
-              <a:extLst>
-                <a:ext uri="{FF2B5EF4-FFF2-40B4-BE49-F238E27FC236}">
-                  <a16:creationId xmlns:a16="http://schemas.microsoft.com/office/drawing/2014/main" id="{9742F120-FFF4-6CB9-4CB5-9B0E5A70B5FC}"/>
-                </a:ext>
-              </a:extLst>
-            </p:cNvPr>
-            <p:cNvSpPr txBox="1"/>
-            <p:nvPr/>
-          </p:nvSpPr>
-          <p:spPr>
-            <a:xfrm>
-              <a:off x="983672" y="1892456"/>
-              <a:ext cx="1796646" cy="369332"/>
-            </a:xfrm>
-            <a:prstGeom prst="rect">
-              <a:avLst/>
-            </a:prstGeom>
-            <a:noFill/>
-          </p:spPr>
-          <p:txBody>
-            <a:bodyPr wrap="none" rtlCol="0">
-              <a:spAutoFit/>
-            </a:bodyPr>
-            <a:lstStyle/>
-            <a:p>
-              <a:r>
-                <a:rPr lang="en-US" dirty="0"/>
-                <a:t>Motor Speed Lab</a:t>
-              </a:r>
-            </a:p>
-          </p:txBody>
-        </p:sp>
-        <p:sp>
-          <p:nvSpPr>
-            <p:cNvPr id="41" name="TextBox 40">
-              <a:extLst>
-                <a:ext uri="{FF2B5EF4-FFF2-40B4-BE49-F238E27FC236}">
-                  <a16:creationId xmlns:a16="http://schemas.microsoft.com/office/drawing/2014/main" id="{5FAEE080-6175-BEB4-E45E-82E01B88D56B}"/>
-                </a:ext>
-              </a:extLst>
-            </p:cNvPr>
-            <p:cNvSpPr txBox="1"/>
-            <p:nvPr/>
-          </p:nvSpPr>
-          <p:spPr>
-            <a:xfrm>
-              <a:off x="983672" y="2429436"/>
-              <a:ext cx="1697901" cy="369332"/>
-            </a:xfrm>
-            <a:prstGeom prst="rect">
-              <a:avLst/>
-            </a:prstGeom>
-            <a:noFill/>
-          </p:spPr>
-          <p:txBody>
-            <a:bodyPr wrap="none" rtlCol="0">
-              <a:spAutoFit/>
-            </a:bodyPr>
-            <a:lstStyle/>
-            <a:p>
-              <a:r>
-                <a:rPr lang="en-US" dirty="0"/>
-                <a:t>Pulse Width Lab</a:t>
-              </a:r>
-            </a:p>
-          </p:txBody>
-        </p:sp>
-        <p:sp>
-          <p:nvSpPr>
-            <p:cNvPr id="42" name="TextBox 41">
-              <a:extLst>
-                <a:ext uri="{FF2B5EF4-FFF2-40B4-BE49-F238E27FC236}">
-                  <a16:creationId xmlns:a16="http://schemas.microsoft.com/office/drawing/2014/main" id="{D1241FEA-4DC0-4C3C-143C-5584E546FE8A}"/>
-                </a:ext>
-              </a:extLst>
-            </p:cNvPr>
-            <p:cNvSpPr txBox="1"/>
-            <p:nvPr/>
-          </p:nvSpPr>
-          <p:spPr>
-            <a:xfrm>
-              <a:off x="983672" y="2966416"/>
-              <a:ext cx="2057999" cy="369332"/>
-            </a:xfrm>
-            <a:prstGeom prst="rect">
-              <a:avLst/>
-            </a:prstGeom>
-            <a:noFill/>
-          </p:spPr>
-          <p:txBody>
-            <a:bodyPr wrap="none" rtlCol="0">
-              <a:spAutoFit/>
-            </a:bodyPr>
-            <a:lstStyle/>
-            <a:p>
-              <a:r>
-                <a:rPr lang="en-US" dirty="0"/>
-                <a:t>Distance Sensor Lab</a:t>
-              </a:r>
-            </a:p>
-          </p:txBody>
-        </p:sp>
-        <p:sp>
-          <p:nvSpPr>
-            <p:cNvPr id="43" name="TextBox 42">
-              <a:extLst>
-                <a:ext uri="{FF2B5EF4-FFF2-40B4-BE49-F238E27FC236}">
-                  <a16:creationId xmlns:a16="http://schemas.microsoft.com/office/drawing/2014/main" id="{508ADB01-8A19-727B-FB44-4ACBA0564042}"/>
-                </a:ext>
-              </a:extLst>
-            </p:cNvPr>
-            <p:cNvSpPr txBox="1"/>
-            <p:nvPr/>
-          </p:nvSpPr>
-          <p:spPr>
-            <a:xfrm>
-              <a:off x="983672" y="3503396"/>
-              <a:ext cx="1917384" cy="369332"/>
-            </a:xfrm>
-            <a:prstGeom prst="rect">
-              <a:avLst/>
-            </a:prstGeom>
-            <a:noFill/>
-          </p:spPr>
-          <p:txBody>
-            <a:bodyPr wrap="none" rtlCol="0">
-              <a:spAutoFit/>
-            </a:bodyPr>
-            <a:lstStyle/>
-            <a:p>
-              <a:r>
-                <a:rPr lang="en-US" dirty="0"/>
-                <a:t>Robot Reverse Lab</a:t>
-              </a:r>
-            </a:p>
-          </p:txBody>
-        </p:sp>
-        <p:sp>
-          <p:nvSpPr>
-            <p:cNvPr id="44" name="TextBox 43">
-              <a:extLst>
-                <a:ext uri="{FF2B5EF4-FFF2-40B4-BE49-F238E27FC236}">
-                  <a16:creationId xmlns:a16="http://schemas.microsoft.com/office/drawing/2014/main" id="{53C6E289-7D0B-2DA6-1A85-08DB5E4BD8F7}"/>
-                </a:ext>
-              </a:extLst>
-            </p:cNvPr>
-            <p:cNvSpPr txBox="1"/>
-            <p:nvPr/>
-          </p:nvSpPr>
-          <p:spPr>
-            <a:xfrm>
-              <a:off x="983672" y="4040376"/>
-              <a:ext cx="2127890" cy="369332"/>
-            </a:xfrm>
-            <a:prstGeom prst="rect">
-              <a:avLst/>
-            </a:prstGeom>
-            <a:noFill/>
-          </p:spPr>
-          <p:txBody>
-            <a:bodyPr wrap="none" rtlCol="0">
-              <a:spAutoFit/>
-            </a:bodyPr>
-            <a:lstStyle/>
-            <a:p>
-              <a:r>
-                <a:rPr lang="en-US" dirty="0"/>
-                <a:t>Backup and Turn Lab</a:t>
-              </a:r>
-            </a:p>
-          </p:txBody>
-        </p:sp>
-        <p:sp>
-          <p:nvSpPr>
-            <p:cNvPr id="45" name="TextBox 44">
-              <a:extLst>
-                <a:ext uri="{FF2B5EF4-FFF2-40B4-BE49-F238E27FC236}">
-                  <a16:creationId xmlns:a16="http://schemas.microsoft.com/office/drawing/2014/main" id="{8B6AE9A2-84D9-18F0-B6BF-5E36D605006B}"/>
-                </a:ext>
-              </a:extLst>
-            </p:cNvPr>
-            <p:cNvSpPr txBox="1"/>
-            <p:nvPr/>
-          </p:nvSpPr>
-          <p:spPr>
-            <a:xfrm>
-              <a:off x="983672" y="4577354"/>
-              <a:ext cx="1238352" cy="369332"/>
-            </a:xfrm>
-            <a:prstGeom prst="rect">
-              <a:avLst/>
-            </a:prstGeom>
-            <a:noFill/>
-          </p:spPr>
-          <p:txBody>
-            <a:bodyPr wrap="none" rtlCol="0">
-              <a:spAutoFit/>
-            </a:bodyPr>
-            <a:lstStyle/>
-            <a:p>
-              <a:r>
-                <a:rPr lang="en-US" dirty="0"/>
-                <a:t>Display Lab</a:t>
-              </a:r>
-            </a:p>
-          </p:txBody>
-        </p:sp>
-      </p:grpSp>
-      <p:grpSp>
-        <p:nvGrpSpPr>
-          <p:cNvPr id="47" name="Group 46">
-            <a:extLst>
-              <a:ext uri="{FF2B5EF4-FFF2-40B4-BE49-F238E27FC236}">
-                <a16:creationId xmlns:a16="http://schemas.microsoft.com/office/drawing/2014/main" id="{DA85F614-83D6-2CE3-A7FD-7EDB0392A4C6}"/>
-              </a:ext>
-            </a:extLst>
-          </p:cNvPr>
-          <p:cNvGrpSpPr/>
-          <p:nvPr/>
-        </p:nvGrpSpPr>
-        <p:grpSpPr>
-          <a:xfrm>
-            <a:off x="396240" y="5836785"/>
+            <a:off x="4406615" y="753813"/>
             <a:ext cx="335280" cy="4069080"/>
             <a:chOff x="381000" y="381000"/>
             <a:chExt cx="365760" cy="4511040"/>
@@ -4601,10 +4780,10 @@
         </p:grpSpPr>
         <p:sp>
           <p:nvSpPr>
-            <p:cNvPr id="48" name="Rectangle 47">
+            <p:cNvPr id="3" name="Rectangle 2">
               <a:extLst>
                 <a:ext uri="{FF2B5EF4-FFF2-40B4-BE49-F238E27FC236}">
-                  <a16:creationId xmlns:a16="http://schemas.microsoft.com/office/drawing/2014/main" id="{662FAAF1-DD75-7DF6-50D8-46E3277038FD}"/>
+                  <a16:creationId xmlns:a16="http://schemas.microsoft.com/office/drawing/2014/main" id="{FBA29407-EB40-7919-9C68-45F369A950BD}"/>
                 </a:ext>
               </a:extLst>
             </p:cNvPr>
@@ -4622,7 +4801,7 @@
             <a:noFill/>
             <a:ln w="28575">
               <a:solidFill>
-                <a:schemeClr val="tx1"/>
+                <a:srgbClr val="C00000"/>
               </a:solidFill>
             </a:ln>
           </p:spPr>
@@ -4653,10 +4832,10 @@
         </p:sp>
         <p:sp>
           <p:nvSpPr>
-            <p:cNvPr id="49" name="Rectangle 48">
+            <p:cNvPr id="4" name="Rectangle 3">
               <a:extLst>
                 <a:ext uri="{FF2B5EF4-FFF2-40B4-BE49-F238E27FC236}">
-                  <a16:creationId xmlns:a16="http://schemas.microsoft.com/office/drawing/2014/main" id="{902A1080-9CDE-5128-A0A8-BE0622B9F50C}"/>
+                  <a16:creationId xmlns:a16="http://schemas.microsoft.com/office/drawing/2014/main" id="{4E0F991C-2073-2074-E488-210A7D44D4D2}"/>
                 </a:ext>
               </a:extLst>
             </p:cNvPr>
@@ -4674,7 +4853,7 @@
             <a:noFill/>
             <a:ln w="28575">
               <a:solidFill>
-                <a:schemeClr val="tx1"/>
+                <a:schemeClr val="accent4"/>
               </a:solidFill>
             </a:ln>
           </p:spPr>
@@ -4705,10 +4884,10 @@
         </p:sp>
         <p:sp>
           <p:nvSpPr>
-            <p:cNvPr id="50" name="Rectangle 49">
+            <p:cNvPr id="7" name="Rectangle 6">
               <a:extLst>
                 <a:ext uri="{FF2B5EF4-FFF2-40B4-BE49-F238E27FC236}">
-                  <a16:creationId xmlns:a16="http://schemas.microsoft.com/office/drawing/2014/main" id="{EFC91C0D-637D-7A59-6D3A-9C61CB1C6C93}"/>
+                  <a16:creationId xmlns:a16="http://schemas.microsoft.com/office/drawing/2014/main" id="{18816935-DE44-B941-9FA1-EF7810E5CD92}"/>
                 </a:ext>
               </a:extLst>
             </p:cNvPr>
@@ -4726,7 +4905,7 @@
             <a:noFill/>
             <a:ln w="28575">
               <a:solidFill>
-                <a:schemeClr val="tx1"/>
+                <a:schemeClr val="accent2"/>
               </a:solidFill>
             </a:ln>
           </p:spPr>
@@ -4757,10 +4936,10 @@
         </p:sp>
         <p:sp>
           <p:nvSpPr>
-            <p:cNvPr id="51" name="Rectangle 50">
+            <p:cNvPr id="8" name="Rectangle 7">
               <a:extLst>
                 <a:ext uri="{FF2B5EF4-FFF2-40B4-BE49-F238E27FC236}">
-                  <a16:creationId xmlns:a16="http://schemas.microsoft.com/office/drawing/2014/main" id="{CA807107-422D-2A97-E810-E0C238634AD5}"/>
+                  <a16:creationId xmlns:a16="http://schemas.microsoft.com/office/drawing/2014/main" id="{E1303B27-603D-E9C3-0F4F-4333F081A8EF}"/>
                 </a:ext>
               </a:extLst>
             </p:cNvPr>
@@ -4778,7 +4957,9 @@
             <a:noFill/>
             <a:ln w="28575">
               <a:solidFill>
-                <a:schemeClr val="tx1"/>
+                <a:schemeClr val="accent6">
+                  <a:lumMod val="75000"/>
+                </a:schemeClr>
               </a:solidFill>
             </a:ln>
           </p:spPr>
@@ -4809,10 +4990,10 @@
         </p:sp>
         <p:sp>
           <p:nvSpPr>
-            <p:cNvPr id="52" name="Rectangle 51">
+            <p:cNvPr id="18" name="Rectangle 17">
               <a:extLst>
                 <a:ext uri="{FF2B5EF4-FFF2-40B4-BE49-F238E27FC236}">
-                  <a16:creationId xmlns:a16="http://schemas.microsoft.com/office/drawing/2014/main" id="{2F2EC303-B4C0-E25C-C2F1-D6CEC1A3AA83}"/>
+                  <a16:creationId xmlns:a16="http://schemas.microsoft.com/office/drawing/2014/main" id="{646BBD4A-0343-AAFA-F2AE-A9B7EBF8FD1B}"/>
                 </a:ext>
               </a:extLst>
             </p:cNvPr>
@@ -4830,7 +5011,7 @@
             <a:noFill/>
             <a:ln w="28575">
               <a:solidFill>
-                <a:schemeClr val="tx1"/>
+                <a:srgbClr val="0070C0"/>
               </a:solidFill>
             </a:ln>
           </p:spPr>
@@ -4861,10 +5042,10 @@
         </p:sp>
         <p:sp>
           <p:nvSpPr>
-            <p:cNvPr id="53" name="Rectangle 52">
+            <p:cNvPr id="83" name="Rectangle 82">
               <a:extLst>
                 <a:ext uri="{FF2B5EF4-FFF2-40B4-BE49-F238E27FC236}">
-                  <a16:creationId xmlns:a16="http://schemas.microsoft.com/office/drawing/2014/main" id="{0357DE82-3060-8522-BC26-6C78CB66F0C8}"/>
+                  <a16:creationId xmlns:a16="http://schemas.microsoft.com/office/drawing/2014/main" id="{97FF741E-881E-2B3F-BD52-0B045DAE1F4E}"/>
                 </a:ext>
               </a:extLst>
             </p:cNvPr>
@@ -4882,7 +5063,7 @@
             <a:noFill/>
             <a:ln w="28575">
               <a:solidFill>
-                <a:schemeClr val="tx1"/>
+                <a:srgbClr val="FF40FF"/>
               </a:solidFill>
             </a:ln>
           </p:spPr>
@@ -4913,10 +5094,10 @@
         </p:sp>
         <p:sp>
           <p:nvSpPr>
-            <p:cNvPr id="54" name="Rectangle 53">
+            <p:cNvPr id="84" name="Rectangle 83">
               <a:extLst>
                 <a:ext uri="{FF2B5EF4-FFF2-40B4-BE49-F238E27FC236}">
-                  <a16:creationId xmlns:a16="http://schemas.microsoft.com/office/drawing/2014/main" id="{BB91E6DD-022E-CBF1-510F-B78B68849C40}"/>
+                  <a16:creationId xmlns:a16="http://schemas.microsoft.com/office/drawing/2014/main" id="{2362709E-052E-099A-350D-1950F95F816E}"/>
                 </a:ext>
               </a:extLst>
             </p:cNvPr>
@@ -4934,7 +5115,7 @@
             <a:noFill/>
             <a:ln w="28575">
               <a:solidFill>
-                <a:schemeClr val="tx1"/>
+                <a:srgbClr val="7030A0"/>
               </a:solidFill>
             </a:ln>
           </p:spPr>
@@ -4965,10 +5146,10 @@
         </p:sp>
         <p:sp>
           <p:nvSpPr>
-            <p:cNvPr id="55" name="Rectangle 54">
+            <p:cNvPr id="85" name="Rectangle 84">
               <a:extLst>
                 <a:ext uri="{FF2B5EF4-FFF2-40B4-BE49-F238E27FC236}">
-                  <a16:creationId xmlns:a16="http://schemas.microsoft.com/office/drawing/2014/main" id="{797553EC-83B1-70B0-19CE-3CDE352CB3CB}"/>
+                  <a16:creationId xmlns:a16="http://schemas.microsoft.com/office/drawing/2014/main" id="{875301A6-4235-996A-3D51-F64D5EE5AC6D}"/>
                 </a:ext>
               </a:extLst>
             </p:cNvPr>
@@ -4986,7 +5167,7 @@
             <a:noFill/>
             <a:ln w="28575">
               <a:solidFill>
-                <a:schemeClr val="tx1"/>
+                <a:srgbClr val="945200"/>
               </a:solidFill>
             </a:ln>
           </p:spPr>
@@ -5016,327 +5197,12 @@
           </p:txBody>
         </p:sp>
       </p:grpSp>
-      <p:sp>
-        <p:nvSpPr>
-          <p:cNvPr id="56" name="TextBox 55">
+      <p:grpSp>
+        <p:nvGrpSpPr>
+          <p:cNvPr id="86" name="Group 85">
             <a:extLst>
               <a:ext uri="{FF2B5EF4-FFF2-40B4-BE49-F238E27FC236}">
-                <a16:creationId xmlns:a16="http://schemas.microsoft.com/office/drawing/2014/main" id="{2BDCC631-6708-6EB4-064C-FEDC927BADFD}"/>
-              </a:ext>
-            </a:extLst>
-          </p:cNvPr>
-          <p:cNvSpPr txBox="1"/>
-          <p:nvPr/>
-        </p:nvSpPr>
-        <p:spPr>
-          <a:xfrm>
-            <a:off x="563880" y="5314851"/>
-            <a:ext cx="2865120" cy="400110"/>
-          </a:xfrm>
-          <a:prstGeom prst="rect">
-            <a:avLst/>
-          </a:prstGeom>
-          <a:noFill/>
-        </p:spPr>
-        <p:txBody>
-          <a:bodyPr wrap="square" rtlCol="0">
-            <a:spAutoFit/>
-          </a:bodyPr>
-          <a:lstStyle/>
-          <a:p>
-            <a:r>
-              <a:rPr lang="en-US" sz="2000" b="1" dirty="0"/>
-              <a:t>Code Savvy Robot Badge</a:t>
-            </a:r>
-          </a:p>
-        </p:txBody>
-      </p:sp>
-      <p:sp>
-        <p:nvSpPr>
-          <p:cNvPr id="57" name="TextBox 56">
-            <a:extLst>
-              <a:ext uri="{FF2B5EF4-FFF2-40B4-BE49-F238E27FC236}">
-                <a16:creationId xmlns:a16="http://schemas.microsoft.com/office/drawing/2014/main" id="{36628D87-B2CD-8E84-1D85-BC2E7DA41FCD}"/>
-              </a:ext>
-            </a:extLst>
-          </p:cNvPr>
-          <p:cNvSpPr txBox="1"/>
-          <p:nvPr/>
-        </p:nvSpPr>
-        <p:spPr>
-          <a:xfrm>
-            <a:off x="831272" y="5817081"/>
-            <a:ext cx="1818896" cy="369332"/>
-          </a:xfrm>
-          <a:prstGeom prst="rect">
-            <a:avLst/>
-          </a:prstGeom>
-          <a:noFill/>
-        </p:spPr>
-        <p:txBody>
-          <a:bodyPr wrap="none" rtlCol="0">
-            <a:spAutoFit/>
-          </a:bodyPr>
-          <a:lstStyle/>
-          <a:p>
-            <a:r>
-              <a:rPr lang="en-US" dirty="0"/>
-              <a:t>Motor Circuit Lab</a:t>
-            </a:r>
-          </a:p>
-        </p:txBody>
-      </p:sp>
-      <p:sp>
-        <p:nvSpPr>
-          <p:cNvPr id="58" name="TextBox 57">
-            <a:extLst>
-              <a:ext uri="{FF2B5EF4-FFF2-40B4-BE49-F238E27FC236}">
-                <a16:creationId xmlns:a16="http://schemas.microsoft.com/office/drawing/2014/main" id="{6678E4CC-055D-E753-D979-D8A8D5A662C8}"/>
-              </a:ext>
-            </a:extLst>
-          </p:cNvPr>
-          <p:cNvSpPr txBox="1"/>
-          <p:nvPr/>
-        </p:nvSpPr>
-        <p:spPr>
-          <a:xfrm>
-            <a:off x="831272" y="6354061"/>
-            <a:ext cx="2075761" cy="369332"/>
-          </a:xfrm>
-          <a:prstGeom prst="rect">
-            <a:avLst/>
-          </a:prstGeom>
-          <a:noFill/>
-        </p:spPr>
-        <p:txBody>
-          <a:bodyPr wrap="none" rtlCol="0">
-            <a:spAutoFit/>
-          </a:bodyPr>
-          <a:lstStyle/>
-          <a:p>
-            <a:r>
-              <a:rPr lang="en-US" dirty="0"/>
-              <a:t>Motor Direction Lab</a:t>
-            </a:r>
-          </a:p>
-        </p:txBody>
-      </p:sp>
-      <p:sp>
-        <p:nvSpPr>
-          <p:cNvPr id="59" name="TextBox 58">
-            <a:extLst>
-              <a:ext uri="{FF2B5EF4-FFF2-40B4-BE49-F238E27FC236}">
-                <a16:creationId xmlns:a16="http://schemas.microsoft.com/office/drawing/2014/main" id="{0BD3113A-F95B-36EE-CABF-F03DF6F8EC68}"/>
-              </a:ext>
-            </a:extLst>
-          </p:cNvPr>
-          <p:cNvSpPr txBox="1"/>
-          <p:nvPr/>
-        </p:nvSpPr>
-        <p:spPr>
-          <a:xfrm>
-            <a:off x="831272" y="6891041"/>
-            <a:ext cx="1796646" cy="369332"/>
-          </a:xfrm>
-          <a:prstGeom prst="rect">
-            <a:avLst/>
-          </a:prstGeom>
-          <a:noFill/>
-        </p:spPr>
-        <p:txBody>
-          <a:bodyPr wrap="none" rtlCol="0">
-            <a:spAutoFit/>
-          </a:bodyPr>
-          <a:lstStyle/>
-          <a:p>
-            <a:r>
-              <a:rPr lang="en-US" dirty="0"/>
-              <a:t>Motor Speed Lab</a:t>
-            </a:r>
-          </a:p>
-        </p:txBody>
-      </p:sp>
-      <p:sp>
-        <p:nvSpPr>
-          <p:cNvPr id="60" name="TextBox 59">
-            <a:extLst>
-              <a:ext uri="{FF2B5EF4-FFF2-40B4-BE49-F238E27FC236}">
-                <a16:creationId xmlns:a16="http://schemas.microsoft.com/office/drawing/2014/main" id="{377DEC93-4953-2827-3351-067350B358F3}"/>
-              </a:ext>
-            </a:extLst>
-          </p:cNvPr>
-          <p:cNvSpPr txBox="1"/>
-          <p:nvPr/>
-        </p:nvSpPr>
-        <p:spPr>
-          <a:xfrm>
-            <a:off x="831272" y="7428021"/>
-            <a:ext cx="1697901" cy="369332"/>
-          </a:xfrm>
-          <a:prstGeom prst="rect">
-            <a:avLst/>
-          </a:prstGeom>
-          <a:noFill/>
-        </p:spPr>
-        <p:txBody>
-          <a:bodyPr wrap="none" rtlCol="0">
-            <a:spAutoFit/>
-          </a:bodyPr>
-          <a:lstStyle/>
-          <a:p>
-            <a:r>
-              <a:rPr lang="en-US" dirty="0"/>
-              <a:t>Pulse Width Lab</a:t>
-            </a:r>
-          </a:p>
-        </p:txBody>
-      </p:sp>
-      <p:sp>
-        <p:nvSpPr>
-          <p:cNvPr id="61" name="TextBox 60">
-            <a:extLst>
-              <a:ext uri="{FF2B5EF4-FFF2-40B4-BE49-F238E27FC236}">
-                <a16:creationId xmlns:a16="http://schemas.microsoft.com/office/drawing/2014/main" id="{8568AA3B-C55A-2473-36CA-E79E832BB582}"/>
-              </a:ext>
-            </a:extLst>
-          </p:cNvPr>
-          <p:cNvSpPr txBox="1"/>
-          <p:nvPr/>
-        </p:nvSpPr>
-        <p:spPr>
-          <a:xfrm>
-            <a:off x="831272" y="7965001"/>
-            <a:ext cx="2057999" cy="369332"/>
-          </a:xfrm>
-          <a:prstGeom prst="rect">
-            <a:avLst/>
-          </a:prstGeom>
-          <a:noFill/>
-        </p:spPr>
-        <p:txBody>
-          <a:bodyPr wrap="none" rtlCol="0">
-            <a:spAutoFit/>
-          </a:bodyPr>
-          <a:lstStyle/>
-          <a:p>
-            <a:r>
-              <a:rPr lang="en-US" dirty="0"/>
-              <a:t>Distance Sensor Lab</a:t>
-            </a:r>
-          </a:p>
-        </p:txBody>
-      </p:sp>
-      <p:sp>
-        <p:nvSpPr>
-          <p:cNvPr id="62" name="TextBox 61">
-            <a:extLst>
-              <a:ext uri="{FF2B5EF4-FFF2-40B4-BE49-F238E27FC236}">
-                <a16:creationId xmlns:a16="http://schemas.microsoft.com/office/drawing/2014/main" id="{43F954D0-5913-9200-A653-E2240A387F94}"/>
-              </a:ext>
-            </a:extLst>
-          </p:cNvPr>
-          <p:cNvSpPr txBox="1"/>
-          <p:nvPr/>
-        </p:nvSpPr>
-        <p:spPr>
-          <a:xfrm>
-            <a:off x="831272" y="8501981"/>
-            <a:ext cx="1917384" cy="369332"/>
-          </a:xfrm>
-          <a:prstGeom prst="rect">
-            <a:avLst/>
-          </a:prstGeom>
-          <a:noFill/>
-        </p:spPr>
-        <p:txBody>
-          <a:bodyPr wrap="none" rtlCol="0">
-            <a:spAutoFit/>
-          </a:bodyPr>
-          <a:lstStyle/>
-          <a:p>
-            <a:r>
-              <a:rPr lang="en-US" dirty="0"/>
-              <a:t>Robot Reverse Lab</a:t>
-            </a:r>
-          </a:p>
-        </p:txBody>
-      </p:sp>
-      <p:sp>
-        <p:nvSpPr>
-          <p:cNvPr id="63" name="TextBox 62">
-            <a:extLst>
-              <a:ext uri="{FF2B5EF4-FFF2-40B4-BE49-F238E27FC236}">
-                <a16:creationId xmlns:a16="http://schemas.microsoft.com/office/drawing/2014/main" id="{0AA1BBEC-1850-7C2E-AF02-658BF56725F6}"/>
-              </a:ext>
-            </a:extLst>
-          </p:cNvPr>
-          <p:cNvSpPr txBox="1"/>
-          <p:nvPr/>
-        </p:nvSpPr>
-        <p:spPr>
-          <a:xfrm>
-            <a:off x="831272" y="9038961"/>
-            <a:ext cx="2127890" cy="369332"/>
-          </a:xfrm>
-          <a:prstGeom prst="rect">
-            <a:avLst/>
-          </a:prstGeom>
-          <a:noFill/>
-        </p:spPr>
-        <p:txBody>
-          <a:bodyPr wrap="none" rtlCol="0">
-            <a:spAutoFit/>
-          </a:bodyPr>
-          <a:lstStyle/>
-          <a:p>
-            <a:r>
-              <a:rPr lang="en-US" dirty="0"/>
-              <a:t>Backup and Turn Lab</a:t>
-            </a:r>
-          </a:p>
-        </p:txBody>
-      </p:sp>
-      <p:sp>
-        <p:nvSpPr>
-          <p:cNvPr id="64" name="TextBox 63">
-            <a:extLst>
-              <a:ext uri="{FF2B5EF4-FFF2-40B4-BE49-F238E27FC236}">
-                <a16:creationId xmlns:a16="http://schemas.microsoft.com/office/drawing/2014/main" id="{8B38BC39-40ED-7223-1830-68611D317B77}"/>
-              </a:ext>
-            </a:extLst>
-          </p:cNvPr>
-          <p:cNvSpPr txBox="1"/>
-          <p:nvPr/>
-        </p:nvSpPr>
-        <p:spPr>
-          <a:xfrm>
-            <a:off x="831272" y="9575939"/>
-            <a:ext cx="1238352" cy="369332"/>
-          </a:xfrm>
-          <a:prstGeom prst="rect">
-            <a:avLst/>
-          </a:prstGeom>
-          <a:noFill/>
-        </p:spPr>
-        <p:txBody>
-          <a:bodyPr wrap="none" rtlCol="0">
-            <a:spAutoFit/>
-          </a:bodyPr>
-          <a:lstStyle/>
-          <a:p>
-            <a:r>
-              <a:rPr lang="en-US" dirty="0"/>
-              <a:t>Display Lab</a:t>
-            </a:r>
-          </a:p>
-        </p:txBody>
-      </p:sp>
-      <p:grpSp>
-        <p:nvGrpSpPr>
-          <p:cNvPr id="65" name="Group 64">
-            <a:extLst>
-              <a:ext uri="{FF2B5EF4-FFF2-40B4-BE49-F238E27FC236}">
-                <a16:creationId xmlns:a16="http://schemas.microsoft.com/office/drawing/2014/main" id="{432185CA-7243-98A9-BE98-264BC857CDE4}"/>
+                <a16:creationId xmlns:a16="http://schemas.microsoft.com/office/drawing/2014/main" id="{E384B727-4979-EF5B-1D29-2D339DD7B777}"/>
               </a:ext>
             </a:extLst>
           </p:cNvPr>
@@ -5345,7 +5211,7 @@
         </p:nvGrpSpPr>
         <p:grpSpPr>
           <a:xfrm>
-            <a:off x="4340755" y="5814267"/>
+            <a:off x="431768" y="5825454"/>
             <a:ext cx="335280" cy="4069080"/>
             <a:chOff x="381000" y="381000"/>
             <a:chExt cx="365760" cy="4511040"/>
@@ -5353,10 +5219,10 @@
         </p:grpSpPr>
         <p:sp>
           <p:nvSpPr>
-            <p:cNvPr id="66" name="Rectangle 65">
+            <p:cNvPr id="87" name="Rectangle 86">
               <a:extLst>
                 <a:ext uri="{FF2B5EF4-FFF2-40B4-BE49-F238E27FC236}">
-                  <a16:creationId xmlns:a16="http://schemas.microsoft.com/office/drawing/2014/main" id="{5362646E-5602-073F-90FE-B083B4EA81F8}"/>
+                  <a16:creationId xmlns:a16="http://schemas.microsoft.com/office/drawing/2014/main" id="{6F3B186D-5EDF-9BAB-E112-E2396DECA0ED}"/>
                 </a:ext>
               </a:extLst>
             </p:cNvPr>
@@ -5374,7 +5240,7 @@
             <a:noFill/>
             <a:ln w="28575">
               <a:solidFill>
-                <a:schemeClr val="tx1"/>
+                <a:srgbClr val="C00000"/>
               </a:solidFill>
             </a:ln>
           </p:spPr>
@@ -5405,10 +5271,10 @@
         </p:sp>
         <p:sp>
           <p:nvSpPr>
-            <p:cNvPr id="67" name="Rectangle 66">
+            <p:cNvPr id="88" name="Rectangle 87">
               <a:extLst>
                 <a:ext uri="{FF2B5EF4-FFF2-40B4-BE49-F238E27FC236}">
-                  <a16:creationId xmlns:a16="http://schemas.microsoft.com/office/drawing/2014/main" id="{FE0E7468-CAF3-3F29-1039-19DFA5E6DB41}"/>
+                  <a16:creationId xmlns:a16="http://schemas.microsoft.com/office/drawing/2014/main" id="{54C4BD2D-F6ED-D1BF-9BB7-FB53CF95E5BC}"/>
                 </a:ext>
               </a:extLst>
             </p:cNvPr>
@@ -5426,7 +5292,7 @@
             <a:noFill/>
             <a:ln w="28575">
               <a:solidFill>
-                <a:schemeClr val="tx1"/>
+                <a:schemeClr val="accent4"/>
               </a:solidFill>
             </a:ln>
           </p:spPr>
@@ -5457,10 +5323,10 @@
         </p:sp>
         <p:sp>
           <p:nvSpPr>
-            <p:cNvPr id="68" name="Rectangle 67">
+            <p:cNvPr id="89" name="Rectangle 88">
               <a:extLst>
                 <a:ext uri="{FF2B5EF4-FFF2-40B4-BE49-F238E27FC236}">
-                  <a16:creationId xmlns:a16="http://schemas.microsoft.com/office/drawing/2014/main" id="{6F86480A-3AB8-4D70-2FAE-F23661E418AE}"/>
+                  <a16:creationId xmlns:a16="http://schemas.microsoft.com/office/drawing/2014/main" id="{21A769C0-007E-10D7-C00C-A2B155F918F8}"/>
                 </a:ext>
               </a:extLst>
             </p:cNvPr>
@@ -5478,7 +5344,7 @@
             <a:noFill/>
             <a:ln w="28575">
               <a:solidFill>
-                <a:schemeClr val="tx1"/>
+                <a:schemeClr val="accent2"/>
               </a:solidFill>
             </a:ln>
           </p:spPr>
@@ -5509,10 +5375,10 @@
         </p:sp>
         <p:sp>
           <p:nvSpPr>
-            <p:cNvPr id="69" name="Rectangle 68">
+            <p:cNvPr id="90" name="Rectangle 89">
               <a:extLst>
                 <a:ext uri="{FF2B5EF4-FFF2-40B4-BE49-F238E27FC236}">
-                  <a16:creationId xmlns:a16="http://schemas.microsoft.com/office/drawing/2014/main" id="{4395B3B5-933A-8AA9-04F4-CAD211A51B59}"/>
+                  <a16:creationId xmlns:a16="http://schemas.microsoft.com/office/drawing/2014/main" id="{81BFD4B5-0A2C-EC3D-1661-BCB06C3D8185}"/>
                 </a:ext>
               </a:extLst>
             </p:cNvPr>
@@ -5530,7 +5396,9 @@
             <a:noFill/>
             <a:ln w="28575">
               <a:solidFill>
-                <a:schemeClr val="tx1"/>
+                <a:schemeClr val="accent6">
+                  <a:lumMod val="75000"/>
+                </a:schemeClr>
               </a:solidFill>
             </a:ln>
           </p:spPr>
@@ -5561,10 +5429,10 @@
         </p:sp>
         <p:sp>
           <p:nvSpPr>
-            <p:cNvPr id="70" name="Rectangle 69">
+            <p:cNvPr id="91" name="Rectangle 90">
               <a:extLst>
                 <a:ext uri="{FF2B5EF4-FFF2-40B4-BE49-F238E27FC236}">
-                  <a16:creationId xmlns:a16="http://schemas.microsoft.com/office/drawing/2014/main" id="{0F70EDD1-8B06-B428-1FD9-C0B67CE81468}"/>
+                  <a16:creationId xmlns:a16="http://schemas.microsoft.com/office/drawing/2014/main" id="{BFCD18E6-4C9D-7AAA-C5C0-FE7A0E4ED52D}"/>
                 </a:ext>
               </a:extLst>
             </p:cNvPr>
@@ -5582,7 +5450,7 @@
             <a:noFill/>
             <a:ln w="28575">
               <a:solidFill>
-                <a:schemeClr val="tx1"/>
+                <a:srgbClr val="0070C0"/>
               </a:solidFill>
             </a:ln>
           </p:spPr>
@@ -5613,10 +5481,10 @@
         </p:sp>
         <p:sp>
           <p:nvSpPr>
-            <p:cNvPr id="71" name="Rectangle 70">
+            <p:cNvPr id="92" name="Rectangle 91">
               <a:extLst>
                 <a:ext uri="{FF2B5EF4-FFF2-40B4-BE49-F238E27FC236}">
-                  <a16:creationId xmlns:a16="http://schemas.microsoft.com/office/drawing/2014/main" id="{4CB48DB6-4886-66F5-2429-9CD527CAD7C3}"/>
+                  <a16:creationId xmlns:a16="http://schemas.microsoft.com/office/drawing/2014/main" id="{B2651B63-BCB4-E97A-50D2-1BAAB055955A}"/>
                 </a:ext>
               </a:extLst>
             </p:cNvPr>
@@ -5634,7 +5502,7 @@
             <a:noFill/>
             <a:ln w="28575">
               <a:solidFill>
-                <a:schemeClr val="tx1"/>
+                <a:srgbClr val="FF40FF"/>
               </a:solidFill>
             </a:ln>
           </p:spPr>
@@ -5665,10 +5533,10 @@
         </p:sp>
         <p:sp>
           <p:nvSpPr>
-            <p:cNvPr id="72" name="Rectangle 71">
+            <p:cNvPr id="93" name="Rectangle 92">
               <a:extLst>
                 <a:ext uri="{FF2B5EF4-FFF2-40B4-BE49-F238E27FC236}">
-                  <a16:creationId xmlns:a16="http://schemas.microsoft.com/office/drawing/2014/main" id="{FCD5FD25-A91C-26F2-3200-0DD6DF8108BD}"/>
+                  <a16:creationId xmlns:a16="http://schemas.microsoft.com/office/drawing/2014/main" id="{608B262D-33F7-5320-A9F0-30B6403ADFED}"/>
                 </a:ext>
               </a:extLst>
             </p:cNvPr>
@@ -5686,7 +5554,7 @@
             <a:noFill/>
             <a:ln w="28575">
               <a:solidFill>
-                <a:schemeClr val="tx1"/>
+                <a:srgbClr val="7030A0"/>
               </a:solidFill>
             </a:ln>
           </p:spPr>
@@ -5717,10 +5585,10 @@
         </p:sp>
         <p:sp>
           <p:nvSpPr>
-            <p:cNvPr id="73" name="Rectangle 72">
+            <p:cNvPr id="94" name="Rectangle 93">
               <a:extLst>
                 <a:ext uri="{FF2B5EF4-FFF2-40B4-BE49-F238E27FC236}">
-                  <a16:creationId xmlns:a16="http://schemas.microsoft.com/office/drawing/2014/main" id="{2E475B36-9D5D-1EE4-C789-ED65B1624F0E}"/>
+                  <a16:creationId xmlns:a16="http://schemas.microsoft.com/office/drawing/2014/main" id="{77E09F16-54A8-01DA-087E-EC0EF33A6900}"/>
                 </a:ext>
               </a:extLst>
             </p:cNvPr>
@@ -5738,7 +5606,7 @@
             <a:noFill/>
             <a:ln w="28575">
               <a:solidFill>
-                <a:schemeClr val="tx1"/>
+                <a:srgbClr val="945200"/>
               </a:solidFill>
             </a:ln>
           </p:spPr>
@@ -5768,321 +5636,445 @@
           </p:txBody>
         </p:sp>
       </p:grpSp>
-      <p:sp>
-        <p:nvSpPr>
-          <p:cNvPr id="74" name="TextBox 73">
+      <p:grpSp>
+        <p:nvGrpSpPr>
+          <p:cNvPr id="95" name="Group 94">
             <a:extLst>
               <a:ext uri="{FF2B5EF4-FFF2-40B4-BE49-F238E27FC236}">
-                <a16:creationId xmlns:a16="http://schemas.microsoft.com/office/drawing/2014/main" id="{3AF45BFD-FFB2-617D-692C-5573505DE6A8}"/>
+                <a16:creationId xmlns:a16="http://schemas.microsoft.com/office/drawing/2014/main" id="{0352BCBD-29A0-AF07-C05E-24278C0D18EF}"/>
               </a:ext>
             </a:extLst>
           </p:cNvPr>
-          <p:cNvSpPr txBox="1"/>
+          <p:cNvGrpSpPr/>
           <p:nvPr/>
-        </p:nvSpPr>
-        <p:spPr>
-          <a:xfrm>
-            <a:off x="4508395" y="5292333"/>
-            <a:ext cx="2865120" cy="400110"/>
-          </a:xfrm>
-          <a:prstGeom prst="rect">
-            <a:avLst/>
-          </a:prstGeom>
-          <a:noFill/>
-        </p:spPr>
-        <p:txBody>
-          <a:bodyPr wrap="square" rtlCol="0">
-            <a:spAutoFit/>
-          </a:bodyPr>
-          <a:lstStyle/>
-          <a:p>
-            <a:r>
-              <a:rPr lang="en-US" sz="2000" b="1" dirty="0"/>
-              <a:t>Code Savvy Robot Badge</a:t>
-            </a:r>
-          </a:p>
-        </p:txBody>
-      </p:sp>
-      <p:sp>
-        <p:nvSpPr>
-          <p:cNvPr id="75" name="TextBox 74">
-            <a:extLst>
-              <a:ext uri="{FF2B5EF4-FFF2-40B4-BE49-F238E27FC236}">
-                <a16:creationId xmlns:a16="http://schemas.microsoft.com/office/drawing/2014/main" id="{74131327-60EB-0D40-FAFE-BE5E16315AEE}"/>
-              </a:ext>
-            </a:extLst>
-          </p:cNvPr>
-          <p:cNvSpPr txBox="1"/>
-          <p:nvPr/>
-        </p:nvSpPr>
-        <p:spPr>
-          <a:xfrm>
-            <a:off x="4775787" y="5794563"/>
-            <a:ext cx="1818896" cy="369332"/>
-          </a:xfrm>
-          <a:prstGeom prst="rect">
-            <a:avLst/>
-          </a:prstGeom>
-          <a:noFill/>
-        </p:spPr>
-        <p:txBody>
-          <a:bodyPr wrap="none" rtlCol="0">
-            <a:spAutoFit/>
-          </a:bodyPr>
-          <a:lstStyle/>
-          <a:p>
-            <a:r>
-              <a:rPr lang="en-US" dirty="0"/>
-              <a:t>Motor Circuit Lab</a:t>
-            </a:r>
-          </a:p>
-        </p:txBody>
-      </p:sp>
-      <p:sp>
-        <p:nvSpPr>
-          <p:cNvPr id="76" name="TextBox 75">
-            <a:extLst>
-              <a:ext uri="{FF2B5EF4-FFF2-40B4-BE49-F238E27FC236}">
-                <a16:creationId xmlns:a16="http://schemas.microsoft.com/office/drawing/2014/main" id="{6877E7CD-EBEF-813F-5E7D-AD15F4A4E837}"/>
-              </a:ext>
-            </a:extLst>
-          </p:cNvPr>
-          <p:cNvSpPr txBox="1"/>
-          <p:nvPr/>
-        </p:nvSpPr>
-        <p:spPr>
-          <a:xfrm>
-            <a:off x="4775787" y="6331543"/>
-            <a:ext cx="2075761" cy="369332"/>
-          </a:xfrm>
-          <a:prstGeom prst="rect">
-            <a:avLst/>
-          </a:prstGeom>
-          <a:noFill/>
-        </p:spPr>
-        <p:txBody>
-          <a:bodyPr wrap="none" rtlCol="0">
-            <a:spAutoFit/>
-          </a:bodyPr>
-          <a:lstStyle/>
-          <a:p>
-            <a:r>
-              <a:rPr lang="en-US" dirty="0"/>
-              <a:t>Motor Direction Lab</a:t>
-            </a:r>
-          </a:p>
-        </p:txBody>
-      </p:sp>
-      <p:sp>
-        <p:nvSpPr>
-          <p:cNvPr id="77" name="TextBox 76">
-            <a:extLst>
-              <a:ext uri="{FF2B5EF4-FFF2-40B4-BE49-F238E27FC236}">
-                <a16:creationId xmlns:a16="http://schemas.microsoft.com/office/drawing/2014/main" id="{8DEC9657-CF46-536F-7EB6-94D69D55D5F6}"/>
-              </a:ext>
-            </a:extLst>
-          </p:cNvPr>
-          <p:cNvSpPr txBox="1"/>
-          <p:nvPr/>
-        </p:nvSpPr>
-        <p:spPr>
-          <a:xfrm>
-            <a:off x="4775787" y="6868523"/>
-            <a:ext cx="1796646" cy="369332"/>
-          </a:xfrm>
-          <a:prstGeom prst="rect">
-            <a:avLst/>
-          </a:prstGeom>
-          <a:noFill/>
-        </p:spPr>
-        <p:txBody>
-          <a:bodyPr wrap="none" rtlCol="0">
-            <a:spAutoFit/>
-          </a:bodyPr>
-          <a:lstStyle/>
-          <a:p>
-            <a:r>
-              <a:rPr lang="en-US" dirty="0"/>
-              <a:t>Motor Speed Lab</a:t>
-            </a:r>
-          </a:p>
-        </p:txBody>
-      </p:sp>
-      <p:sp>
-        <p:nvSpPr>
-          <p:cNvPr id="78" name="TextBox 77">
-            <a:extLst>
-              <a:ext uri="{FF2B5EF4-FFF2-40B4-BE49-F238E27FC236}">
-                <a16:creationId xmlns:a16="http://schemas.microsoft.com/office/drawing/2014/main" id="{997E7498-61E2-65A8-2DB3-01144D0F2C64}"/>
-              </a:ext>
-            </a:extLst>
-          </p:cNvPr>
-          <p:cNvSpPr txBox="1"/>
-          <p:nvPr/>
-        </p:nvSpPr>
-        <p:spPr>
-          <a:xfrm>
-            <a:off x="4775787" y="7405503"/>
-            <a:ext cx="1697901" cy="369332"/>
-          </a:xfrm>
-          <a:prstGeom prst="rect">
-            <a:avLst/>
-          </a:prstGeom>
-          <a:noFill/>
-        </p:spPr>
-        <p:txBody>
-          <a:bodyPr wrap="none" rtlCol="0">
-            <a:spAutoFit/>
-          </a:bodyPr>
-          <a:lstStyle/>
-          <a:p>
-            <a:r>
-              <a:rPr lang="en-US" dirty="0"/>
-              <a:t>Pulse Width Lab</a:t>
-            </a:r>
-          </a:p>
-        </p:txBody>
-      </p:sp>
-      <p:sp>
-        <p:nvSpPr>
-          <p:cNvPr id="79" name="TextBox 78">
-            <a:extLst>
-              <a:ext uri="{FF2B5EF4-FFF2-40B4-BE49-F238E27FC236}">
-                <a16:creationId xmlns:a16="http://schemas.microsoft.com/office/drawing/2014/main" id="{B63B32E0-7163-928B-6AEB-FE927836C8AD}"/>
-              </a:ext>
-            </a:extLst>
-          </p:cNvPr>
-          <p:cNvSpPr txBox="1"/>
-          <p:nvPr/>
-        </p:nvSpPr>
-        <p:spPr>
-          <a:xfrm>
-            <a:off x="4775787" y="7942483"/>
-            <a:ext cx="2057999" cy="369332"/>
-          </a:xfrm>
-          <a:prstGeom prst="rect">
-            <a:avLst/>
-          </a:prstGeom>
-          <a:noFill/>
-        </p:spPr>
-        <p:txBody>
-          <a:bodyPr wrap="none" rtlCol="0">
-            <a:spAutoFit/>
-          </a:bodyPr>
-          <a:lstStyle/>
-          <a:p>
-            <a:r>
-              <a:rPr lang="en-US" dirty="0"/>
-              <a:t>Distance Sensor Lab</a:t>
-            </a:r>
-          </a:p>
-        </p:txBody>
-      </p:sp>
-      <p:sp>
-        <p:nvSpPr>
-          <p:cNvPr id="80" name="TextBox 79">
-            <a:extLst>
-              <a:ext uri="{FF2B5EF4-FFF2-40B4-BE49-F238E27FC236}">
-                <a16:creationId xmlns:a16="http://schemas.microsoft.com/office/drawing/2014/main" id="{09A1E6F9-15D9-EED3-C6DC-252F01160C23}"/>
-              </a:ext>
-            </a:extLst>
-          </p:cNvPr>
-          <p:cNvSpPr txBox="1"/>
-          <p:nvPr/>
-        </p:nvSpPr>
-        <p:spPr>
-          <a:xfrm>
-            <a:off x="4775787" y="8479463"/>
-            <a:ext cx="1917384" cy="369332"/>
-          </a:xfrm>
-          <a:prstGeom prst="rect">
-            <a:avLst/>
-          </a:prstGeom>
-          <a:noFill/>
-        </p:spPr>
-        <p:txBody>
-          <a:bodyPr wrap="none" rtlCol="0">
-            <a:spAutoFit/>
-          </a:bodyPr>
-          <a:lstStyle/>
-          <a:p>
-            <a:r>
-              <a:rPr lang="en-US" dirty="0"/>
-              <a:t>Robot Reverse Lab</a:t>
-            </a:r>
-          </a:p>
-        </p:txBody>
-      </p:sp>
-      <p:sp>
-        <p:nvSpPr>
-          <p:cNvPr id="81" name="TextBox 80">
-            <a:extLst>
-              <a:ext uri="{FF2B5EF4-FFF2-40B4-BE49-F238E27FC236}">
-                <a16:creationId xmlns:a16="http://schemas.microsoft.com/office/drawing/2014/main" id="{300E3A78-8091-133C-8E45-1CB0A3E7FA46}"/>
-              </a:ext>
-            </a:extLst>
-          </p:cNvPr>
-          <p:cNvSpPr txBox="1"/>
-          <p:nvPr/>
-        </p:nvSpPr>
-        <p:spPr>
-          <a:xfrm>
-            <a:off x="4775787" y="9016443"/>
-            <a:ext cx="2127890" cy="369332"/>
-          </a:xfrm>
-          <a:prstGeom prst="rect">
-            <a:avLst/>
-          </a:prstGeom>
-          <a:noFill/>
-        </p:spPr>
-        <p:txBody>
-          <a:bodyPr wrap="none" rtlCol="0">
-            <a:spAutoFit/>
-          </a:bodyPr>
-          <a:lstStyle/>
-          <a:p>
-            <a:r>
-              <a:rPr lang="en-US" dirty="0"/>
-              <a:t>Backup and Turn Lab</a:t>
-            </a:r>
-          </a:p>
-        </p:txBody>
-      </p:sp>
-      <p:sp>
-        <p:nvSpPr>
-          <p:cNvPr id="82" name="TextBox 81">
-            <a:extLst>
-              <a:ext uri="{FF2B5EF4-FFF2-40B4-BE49-F238E27FC236}">
-                <a16:creationId xmlns:a16="http://schemas.microsoft.com/office/drawing/2014/main" id="{BE37035D-717D-36EB-2C1E-E5E8319147AD}"/>
-              </a:ext>
-            </a:extLst>
-          </p:cNvPr>
-          <p:cNvSpPr txBox="1"/>
-          <p:nvPr/>
-        </p:nvSpPr>
-        <p:spPr>
-          <a:xfrm>
-            <a:off x="4775787" y="9553421"/>
-            <a:ext cx="1238352" cy="369332"/>
-          </a:xfrm>
-          <a:prstGeom prst="rect">
-            <a:avLst/>
-          </a:prstGeom>
-          <a:noFill/>
-        </p:spPr>
-        <p:txBody>
-          <a:bodyPr wrap="none" rtlCol="0">
-            <a:spAutoFit/>
-          </a:bodyPr>
-          <a:lstStyle/>
-          <a:p>
-            <a:r>
-              <a:rPr lang="en-US" dirty="0"/>
-              <a:t>Display Lab</a:t>
-            </a:r>
-          </a:p>
-        </p:txBody>
-      </p:sp>
+        </p:nvGrpSpPr>
+        <p:grpSpPr>
+          <a:xfrm>
+            <a:off x="4376283" y="5853673"/>
+            <a:ext cx="335280" cy="4069080"/>
+            <a:chOff x="381000" y="381000"/>
+            <a:chExt cx="365760" cy="4511040"/>
+          </a:xfrm>
+        </p:grpSpPr>
+        <p:sp>
+          <p:nvSpPr>
+            <p:cNvPr id="96" name="Rectangle 95">
+              <a:extLst>
+                <a:ext uri="{FF2B5EF4-FFF2-40B4-BE49-F238E27FC236}">
+                  <a16:creationId xmlns:a16="http://schemas.microsoft.com/office/drawing/2014/main" id="{53C2423D-FAB1-CDED-1B09-A890A58A0A7E}"/>
+                </a:ext>
+              </a:extLst>
+            </p:cNvPr>
+            <p:cNvSpPr/>
+            <p:nvPr/>
+          </p:nvSpPr>
+          <p:spPr>
+            <a:xfrm>
+              <a:off x="381000" y="381000"/>
+              <a:ext cx="365760" cy="365760"/>
+            </a:xfrm>
+            <a:prstGeom prst="rect">
+              <a:avLst/>
+            </a:prstGeom>
+            <a:noFill/>
+            <a:ln w="28575">
+              <a:solidFill>
+                <a:srgbClr val="C00000"/>
+              </a:solidFill>
+            </a:ln>
+          </p:spPr>
+          <p:style>
+            <a:lnRef idx="2">
+              <a:schemeClr val="accent1">
+                <a:shade val="50000"/>
+              </a:schemeClr>
+            </a:lnRef>
+            <a:fillRef idx="1">
+              <a:schemeClr val="accent1"/>
+            </a:fillRef>
+            <a:effectRef idx="0">
+              <a:schemeClr val="accent1"/>
+            </a:effectRef>
+            <a:fontRef idx="minor">
+              <a:schemeClr val="lt1"/>
+            </a:fontRef>
+          </p:style>
+          <p:txBody>
+            <a:bodyPr rtlCol="0" anchor="ctr"/>
+            <a:lstStyle/>
+            <a:p>
+              <a:pPr algn="ctr"/>
+              <a:endParaRPr lang="en-US"/>
+            </a:p>
+          </p:txBody>
+        </p:sp>
+        <p:sp>
+          <p:nvSpPr>
+            <p:cNvPr id="97" name="Rectangle 96">
+              <a:extLst>
+                <a:ext uri="{FF2B5EF4-FFF2-40B4-BE49-F238E27FC236}">
+                  <a16:creationId xmlns:a16="http://schemas.microsoft.com/office/drawing/2014/main" id="{896A49F1-1103-C368-B61F-2CE2E957577D}"/>
+                </a:ext>
+              </a:extLst>
+            </p:cNvPr>
+            <p:cNvSpPr/>
+            <p:nvPr/>
+          </p:nvSpPr>
+          <p:spPr>
+            <a:xfrm>
+              <a:off x="381000" y="1565366"/>
+              <a:ext cx="365760" cy="365760"/>
+            </a:xfrm>
+            <a:prstGeom prst="rect">
+              <a:avLst/>
+            </a:prstGeom>
+            <a:noFill/>
+            <a:ln w="28575">
+              <a:solidFill>
+                <a:schemeClr val="accent4"/>
+              </a:solidFill>
+            </a:ln>
+          </p:spPr>
+          <p:style>
+            <a:lnRef idx="2">
+              <a:schemeClr val="accent1">
+                <a:shade val="50000"/>
+              </a:schemeClr>
+            </a:lnRef>
+            <a:fillRef idx="1">
+              <a:schemeClr val="accent1"/>
+            </a:fillRef>
+            <a:effectRef idx="0">
+              <a:schemeClr val="accent1"/>
+            </a:effectRef>
+            <a:fontRef idx="minor">
+              <a:schemeClr val="lt1"/>
+            </a:fontRef>
+          </p:style>
+          <p:txBody>
+            <a:bodyPr rtlCol="0" anchor="ctr"/>
+            <a:lstStyle/>
+            <a:p>
+              <a:pPr algn="ctr"/>
+              <a:endParaRPr lang="en-US"/>
+            </a:p>
+          </p:txBody>
+        </p:sp>
+        <p:sp>
+          <p:nvSpPr>
+            <p:cNvPr id="98" name="Rectangle 97">
+              <a:extLst>
+                <a:ext uri="{FF2B5EF4-FFF2-40B4-BE49-F238E27FC236}">
+                  <a16:creationId xmlns:a16="http://schemas.microsoft.com/office/drawing/2014/main" id="{5F7416A2-80DB-C6FF-A171-3D5E3EB36E42}"/>
+                </a:ext>
+              </a:extLst>
+            </p:cNvPr>
+            <p:cNvSpPr/>
+            <p:nvPr/>
+          </p:nvSpPr>
+          <p:spPr>
+            <a:xfrm>
+              <a:off x="381000" y="973183"/>
+              <a:ext cx="365760" cy="365760"/>
+            </a:xfrm>
+            <a:prstGeom prst="rect">
+              <a:avLst/>
+            </a:prstGeom>
+            <a:noFill/>
+            <a:ln w="28575">
+              <a:solidFill>
+                <a:schemeClr val="accent2"/>
+              </a:solidFill>
+            </a:ln>
+          </p:spPr>
+          <p:style>
+            <a:lnRef idx="2">
+              <a:schemeClr val="accent1">
+                <a:shade val="50000"/>
+              </a:schemeClr>
+            </a:lnRef>
+            <a:fillRef idx="1">
+              <a:schemeClr val="accent1"/>
+            </a:fillRef>
+            <a:effectRef idx="0">
+              <a:schemeClr val="accent1"/>
+            </a:effectRef>
+            <a:fontRef idx="minor">
+              <a:schemeClr val="lt1"/>
+            </a:fontRef>
+          </p:style>
+          <p:txBody>
+            <a:bodyPr rtlCol="0" anchor="ctr"/>
+            <a:lstStyle/>
+            <a:p>
+              <a:pPr algn="ctr"/>
+              <a:endParaRPr lang="en-US"/>
+            </a:p>
+          </p:txBody>
+        </p:sp>
+        <p:sp>
+          <p:nvSpPr>
+            <p:cNvPr id="99" name="Rectangle 98">
+              <a:extLst>
+                <a:ext uri="{FF2B5EF4-FFF2-40B4-BE49-F238E27FC236}">
+                  <a16:creationId xmlns:a16="http://schemas.microsoft.com/office/drawing/2014/main" id="{FACA5B36-3F86-B814-7286-62A1A4D19918}"/>
+                </a:ext>
+              </a:extLst>
+            </p:cNvPr>
+            <p:cNvSpPr/>
+            <p:nvPr/>
+          </p:nvSpPr>
+          <p:spPr>
+            <a:xfrm>
+              <a:off x="381000" y="2157549"/>
+              <a:ext cx="365760" cy="365760"/>
+            </a:xfrm>
+            <a:prstGeom prst="rect">
+              <a:avLst/>
+            </a:prstGeom>
+            <a:noFill/>
+            <a:ln w="28575">
+              <a:solidFill>
+                <a:schemeClr val="accent6">
+                  <a:lumMod val="75000"/>
+                </a:schemeClr>
+              </a:solidFill>
+            </a:ln>
+          </p:spPr>
+          <p:style>
+            <a:lnRef idx="2">
+              <a:schemeClr val="accent1">
+                <a:shade val="50000"/>
+              </a:schemeClr>
+            </a:lnRef>
+            <a:fillRef idx="1">
+              <a:schemeClr val="accent1"/>
+            </a:fillRef>
+            <a:effectRef idx="0">
+              <a:schemeClr val="accent1"/>
+            </a:effectRef>
+            <a:fontRef idx="minor">
+              <a:schemeClr val="lt1"/>
+            </a:fontRef>
+          </p:style>
+          <p:txBody>
+            <a:bodyPr rtlCol="0" anchor="ctr"/>
+            <a:lstStyle/>
+            <a:p>
+              <a:pPr algn="ctr"/>
+              <a:endParaRPr lang="en-US"/>
+            </a:p>
+          </p:txBody>
+        </p:sp>
+        <p:sp>
+          <p:nvSpPr>
+            <p:cNvPr id="100" name="Rectangle 99">
+              <a:extLst>
+                <a:ext uri="{FF2B5EF4-FFF2-40B4-BE49-F238E27FC236}">
+                  <a16:creationId xmlns:a16="http://schemas.microsoft.com/office/drawing/2014/main" id="{69F60238-FCE8-CC3B-8B88-BEB0454E1832}"/>
+                </a:ext>
+              </a:extLst>
+            </p:cNvPr>
+            <p:cNvSpPr/>
+            <p:nvPr/>
+          </p:nvSpPr>
+          <p:spPr>
+            <a:xfrm>
+              <a:off x="381000" y="2749732"/>
+              <a:ext cx="365760" cy="365760"/>
+            </a:xfrm>
+            <a:prstGeom prst="rect">
+              <a:avLst/>
+            </a:prstGeom>
+            <a:noFill/>
+            <a:ln w="28575">
+              <a:solidFill>
+                <a:srgbClr val="0070C0"/>
+              </a:solidFill>
+            </a:ln>
+          </p:spPr>
+          <p:style>
+            <a:lnRef idx="2">
+              <a:schemeClr val="accent1">
+                <a:shade val="50000"/>
+              </a:schemeClr>
+            </a:lnRef>
+            <a:fillRef idx="1">
+              <a:schemeClr val="accent1"/>
+            </a:fillRef>
+            <a:effectRef idx="0">
+              <a:schemeClr val="accent1"/>
+            </a:effectRef>
+            <a:fontRef idx="minor">
+              <a:schemeClr val="lt1"/>
+            </a:fontRef>
+          </p:style>
+          <p:txBody>
+            <a:bodyPr rtlCol="0" anchor="ctr"/>
+            <a:lstStyle/>
+            <a:p>
+              <a:pPr algn="ctr"/>
+              <a:endParaRPr lang="en-US"/>
+            </a:p>
+          </p:txBody>
+        </p:sp>
+        <p:sp>
+          <p:nvSpPr>
+            <p:cNvPr id="101" name="Rectangle 100">
+              <a:extLst>
+                <a:ext uri="{FF2B5EF4-FFF2-40B4-BE49-F238E27FC236}">
+                  <a16:creationId xmlns:a16="http://schemas.microsoft.com/office/drawing/2014/main" id="{08228558-FDF9-26D6-E2BF-17048DCD4C51}"/>
+                </a:ext>
+              </a:extLst>
+            </p:cNvPr>
+            <p:cNvSpPr/>
+            <p:nvPr/>
+          </p:nvSpPr>
+          <p:spPr>
+            <a:xfrm>
+              <a:off x="381000" y="3934098"/>
+              <a:ext cx="365760" cy="365760"/>
+            </a:xfrm>
+            <a:prstGeom prst="rect">
+              <a:avLst/>
+            </a:prstGeom>
+            <a:noFill/>
+            <a:ln w="28575">
+              <a:solidFill>
+                <a:srgbClr val="FF40FF"/>
+              </a:solidFill>
+            </a:ln>
+          </p:spPr>
+          <p:style>
+            <a:lnRef idx="2">
+              <a:schemeClr val="accent1">
+                <a:shade val="50000"/>
+              </a:schemeClr>
+            </a:lnRef>
+            <a:fillRef idx="1">
+              <a:schemeClr val="accent1"/>
+            </a:fillRef>
+            <a:effectRef idx="0">
+              <a:schemeClr val="accent1"/>
+            </a:effectRef>
+            <a:fontRef idx="minor">
+              <a:schemeClr val="lt1"/>
+            </a:fontRef>
+          </p:style>
+          <p:txBody>
+            <a:bodyPr rtlCol="0" anchor="ctr"/>
+            <a:lstStyle/>
+            <a:p>
+              <a:pPr algn="ctr"/>
+              <a:endParaRPr lang="en-US"/>
+            </a:p>
+          </p:txBody>
+        </p:sp>
+        <p:sp>
+          <p:nvSpPr>
+            <p:cNvPr id="102" name="Rectangle 101">
+              <a:extLst>
+                <a:ext uri="{FF2B5EF4-FFF2-40B4-BE49-F238E27FC236}">
+                  <a16:creationId xmlns:a16="http://schemas.microsoft.com/office/drawing/2014/main" id="{1BE0EAEA-F70E-9FFE-1BE1-07F14040831B}"/>
+                </a:ext>
+              </a:extLst>
+            </p:cNvPr>
+            <p:cNvSpPr/>
+            <p:nvPr/>
+          </p:nvSpPr>
+          <p:spPr>
+            <a:xfrm>
+              <a:off x="381000" y="3341915"/>
+              <a:ext cx="365760" cy="365760"/>
+            </a:xfrm>
+            <a:prstGeom prst="rect">
+              <a:avLst/>
+            </a:prstGeom>
+            <a:noFill/>
+            <a:ln w="28575">
+              <a:solidFill>
+                <a:srgbClr val="7030A0"/>
+              </a:solidFill>
+            </a:ln>
+          </p:spPr>
+          <p:style>
+            <a:lnRef idx="2">
+              <a:schemeClr val="accent1">
+                <a:shade val="50000"/>
+              </a:schemeClr>
+            </a:lnRef>
+            <a:fillRef idx="1">
+              <a:schemeClr val="accent1"/>
+            </a:fillRef>
+            <a:effectRef idx="0">
+              <a:schemeClr val="accent1"/>
+            </a:effectRef>
+            <a:fontRef idx="minor">
+              <a:schemeClr val="lt1"/>
+            </a:fontRef>
+          </p:style>
+          <p:txBody>
+            <a:bodyPr rtlCol="0" anchor="ctr"/>
+            <a:lstStyle/>
+            <a:p>
+              <a:pPr algn="ctr"/>
+              <a:endParaRPr lang="en-US"/>
+            </a:p>
+          </p:txBody>
+        </p:sp>
+        <p:sp>
+          <p:nvSpPr>
+            <p:cNvPr id="103" name="Rectangle 102">
+              <a:extLst>
+                <a:ext uri="{FF2B5EF4-FFF2-40B4-BE49-F238E27FC236}">
+                  <a16:creationId xmlns:a16="http://schemas.microsoft.com/office/drawing/2014/main" id="{FF077D49-605D-47BD-0534-8DB8D6959DCA}"/>
+                </a:ext>
+              </a:extLst>
+            </p:cNvPr>
+            <p:cNvSpPr/>
+            <p:nvPr/>
+          </p:nvSpPr>
+          <p:spPr>
+            <a:xfrm>
+              <a:off x="381000" y="4526280"/>
+              <a:ext cx="365760" cy="365760"/>
+            </a:xfrm>
+            <a:prstGeom prst="rect">
+              <a:avLst/>
+            </a:prstGeom>
+            <a:noFill/>
+            <a:ln w="28575">
+              <a:solidFill>
+                <a:srgbClr val="945200"/>
+              </a:solidFill>
+            </a:ln>
+          </p:spPr>
+          <p:style>
+            <a:lnRef idx="2">
+              <a:schemeClr val="accent1">
+                <a:shade val="50000"/>
+              </a:schemeClr>
+            </a:lnRef>
+            <a:fillRef idx="1">
+              <a:schemeClr val="accent1"/>
+            </a:fillRef>
+            <a:effectRef idx="0">
+              <a:schemeClr val="accent1"/>
+            </a:effectRef>
+            <a:fontRef idx="minor">
+              <a:schemeClr val="lt1"/>
+            </a:fontRef>
+          </p:style>
+          <p:txBody>
+            <a:bodyPr rtlCol="0" anchor="ctr"/>
+            <a:lstStyle/>
+            <a:p>
+              <a:pPr algn="ctr"/>
+              <a:endParaRPr lang="en-US"/>
+            </a:p>
+          </p:txBody>
+        </p:sp>
+      </p:grpSp>
     </p:spTree>
     <p:extLst>
       <p:ext uri="{BB962C8B-B14F-4D97-AF65-F5344CB8AC3E}">
